--- a/心得報告.pptx
+++ b/心得報告.pptx
@@ -247,7 +247,7 @@
           <a:p>
             <a:fld id="{A8F295C9-4BBA-4980-8501-061AEFA66E6C}" type="datetimeFigureOut">
               <a:rPr lang="zh-TW" altLang="en-US" smtClean="0"/>
-              <a:t>2018/10/17</a:t>
+              <a:t>2018/11/1</a:t>
             </a:fld>
             <a:endParaRPr lang="zh-TW" altLang="en-US"/>
           </a:p>
@@ -417,7 +417,7 @@
           <a:p>
             <a:fld id="{A8F295C9-4BBA-4980-8501-061AEFA66E6C}" type="datetimeFigureOut">
               <a:rPr lang="zh-TW" altLang="en-US" smtClean="0"/>
-              <a:t>2018/10/17</a:t>
+              <a:t>2018/11/1</a:t>
             </a:fld>
             <a:endParaRPr lang="zh-TW" altLang="en-US"/>
           </a:p>
@@ -597,7 +597,7 @@
           <a:p>
             <a:fld id="{A8F295C9-4BBA-4980-8501-061AEFA66E6C}" type="datetimeFigureOut">
               <a:rPr lang="zh-TW" altLang="en-US" smtClean="0"/>
-              <a:t>2018/10/17</a:t>
+              <a:t>2018/11/1</a:t>
             </a:fld>
             <a:endParaRPr lang="zh-TW" altLang="en-US"/>
           </a:p>
@@ -767,7 +767,7 @@
           <a:p>
             <a:fld id="{A8F295C9-4BBA-4980-8501-061AEFA66E6C}" type="datetimeFigureOut">
               <a:rPr lang="zh-TW" altLang="en-US" smtClean="0"/>
-              <a:t>2018/10/17</a:t>
+              <a:t>2018/11/1</a:t>
             </a:fld>
             <a:endParaRPr lang="zh-TW" altLang="en-US"/>
           </a:p>
@@ -1013,7 +1013,7 @@
           <a:p>
             <a:fld id="{A8F295C9-4BBA-4980-8501-061AEFA66E6C}" type="datetimeFigureOut">
               <a:rPr lang="zh-TW" altLang="en-US" smtClean="0"/>
-              <a:t>2018/10/17</a:t>
+              <a:t>2018/11/1</a:t>
             </a:fld>
             <a:endParaRPr lang="zh-TW" altLang="en-US"/>
           </a:p>
@@ -1245,7 +1245,7 @@
           <a:p>
             <a:fld id="{A8F295C9-4BBA-4980-8501-061AEFA66E6C}" type="datetimeFigureOut">
               <a:rPr lang="zh-TW" altLang="en-US" smtClean="0"/>
-              <a:t>2018/10/17</a:t>
+              <a:t>2018/11/1</a:t>
             </a:fld>
             <a:endParaRPr lang="zh-TW" altLang="en-US"/>
           </a:p>
@@ -1612,7 +1612,7 @@
           <a:p>
             <a:fld id="{A8F295C9-4BBA-4980-8501-061AEFA66E6C}" type="datetimeFigureOut">
               <a:rPr lang="zh-TW" altLang="en-US" smtClean="0"/>
-              <a:t>2018/10/17</a:t>
+              <a:t>2018/11/1</a:t>
             </a:fld>
             <a:endParaRPr lang="zh-TW" altLang="en-US"/>
           </a:p>
@@ -1730,7 +1730,7 @@
           <a:p>
             <a:fld id="{A8F295C9-4BBA-4980-8501-061AEFA66E6C}" type="datetimeFigureOut">
               <a:rPr lang="zh-TW" altLang="en-US" smtClean="0"/>
-              <a:t>2018/10/17</a:t>
+              <a:t>2018/11/1</a:t>
             </a:fld>
             <a:endParaRPr lang="zh-TW" altLang="en-US"/>
           </a:p>
@@ -1825,7 +1825,7 @@
           <a:p>
             <a:fld id="{A8F295C9-4BBA-4980-8501-061AEFA66E6C}" type="datetimeFigureOut">
               <a:rPr lang="zh-TW" altLang="en-US" smtClean="0"/>
-              <a:t>2018/10/17</a:t>
+              <a:t>2018/11/1</a:t>
             </a:fld>
             <a:endParaRPr lang="zh-TW" altLang="en-US"/>
           </a:p>
@@ -2102,7 +2102,7 @@
           <a:p>
             <a:fld id="{A8F295C9-4BBA-4980-8501-061AEFA66E6C}" type="datetimeFigureOut">
               <a:rPr lang="zh-TW" altLang="en-US" smtClean="0"/>
-              <a:t>2018/10/17</a:t>
+              <a:t>2018/11/1</a:t>
             </a:fld>
             <a:endParaRPr lang="zh-TW" altLang="en-US"/>
           </a:p>
@@ -2355,7 +2355,7 @@
           <a:p>
             <a:fld id="{A8F295C9-4BBA-4980-8501-061AEFA66E6C}" type="datetimeFigureOut">
               <a:rPr lang="zh-TW" altLang="en-US" smtClean="0"/>
-              <a:t>2018/10/17</a:t>
+              <a:t>2018/11/1</a:t>
             </a:fld>
             <a:endParaRPr lang="zh-TW" altLang="en-US"/>
           </a:p>
@@ -2568,7 +2568,7 @@
           <a:p>
             <a:fld id="{A8F295C9-4BBA-4980-8501-061AEFA66E6C}" type="datetimeFigureOut">
               <a:rPr lang="zh-TW" altLang="en-US" smtClean="0"/>
-              <a:t>2018/10/17</a:t>
+              <a:t>2018/11/1</a:t>
             </a:fld>
             <a:endParaRPr lang="zh-TW" altLang="en-US"/>
           </a:p>
@@ -3086,7 +3086,7 @@
       </p:grpSpPr>
       <p:pic>
         <p:nvPicPr>
-          <p:cNvPr id="2" name="圖片 1"/>
+          <p:cNvPr id="3" name="圖片 2"/>
           <p:cNvPicPr>
             <a:picLocks noChangeAspect="1"/>
           </p:cNvPicPr>
@@ -3100,8 +3100,32 @@
         </p:blipFill>
         <p:spPr>
           <a:xfrm>
-            <a:off x="582199" y="4018652"/>
-            <a:ext cx="7213633" cy="2330330"/>
+            <a:off x="5088191" y="926062"/>
+            <a:ext cx="923810" cy="1266667"/>
+          </a:xfrm>
+          <a:prstGeom prst="rect">
+            <a:avLst/>
+          </a:prstGeom>
+        </p:spPr>
+      </p:pic>
+      <p:pic>
+        <p:nvPicPr>
+          <p:cNvPr id="2" name="圖片 1"/>
+          <p:cNvPicPr>
+            <a:picLocks noChangeAspect="1"/>
+          </p:cNvPicPr>
+          <p:nvPr/>
+        </p:nvPicPr>
+        <p:blipFill>
+          <a:blip r:embed="rId3"/>
+          <a:stretch>
+            <a:fillRect/>
+          </a:stretch>
+        </p:blipFill>
+        <p:spPr>
+          <a:xfrm>
+            <a:off x="683741" y="3726202"/>
+            <a:ext cx="6944497" cy="2846148"/>
           </a:xfrm>
           <a:prstGeom prst="rect">
             <a:avLst/>
@@ -3116,7 +3140,7 @@
         </p:nvSpPr>
         <p:spPr>
           <a:xfrm>
-            <a:off x="609600" y="3716243"/>
+            <a:off x="609600" y="3692350"/>
             <a:ext cx="7186232" cy="2880000"/>
           </a:xfrm>
           <a:prstGeom prst="rect">
@@ -3148,7 +3172,7 @@
           <p:nvPr/>
         </p:nvPicPr>
         <p:blipFill>
-          <a:blip r:embed="rId3">
+          <a:blip r:embed="rId4">
             <a:extLst>
               <a:ext uri="{28A0092B-C50C-407E-A947-70E740481C1C}">
                 <a14:useLocalDpi xmlns:a14="http://schemas.microsoft.com/office/drawing/2010/main" val="0"/>
@@ -3197,52 +3221,6 @@
           <a:lstStyle/>
           <a:p>
             <a:endParaRPr lang="zh-TW" altLang="en-US" dirty="0"/>
-          </a:p>
-        </p:txBody>
-      </p:sp>
-      <p:sp>
-        <p:nvSpPr>
-          <p:cNvPr id="15" name="矩形 14"/>
-          <p:cNvSpPr/>
-          <p:nvPr/>
-        </p:nvSpPr>
-        <p:spPr>
-          <a:xfrm>
-            <a:off x="5383811" y="601396"/>
-            <a:ext cx="982112" cy="1059418"/>
-          </a:xfrm>
-          <a:prstGeom prst="rect">
-            <a:avLst/>
-          </a:prstGeom>
-          <a:noFill/>
-          <a:ln w="38100">
-            <a:solidFill>
-              <a:schemeClr val="tx1"/>
-            </a:solidFill>
-          </a:ln>
-        </p:spPr>
-        <p:style>
-          <a:lnRef idx="2">
-            <a:schemeClr val="accent1">
-              <a:shade val="50000"/>
-            </a:schemeClr>
-          </a:lnRef>
-          <a:fillRef idx="1">
-            <a:schemeClr val="accent1"/>
-          </a:fillRef>
-          <a:effectRef idx="0">
-            <a:schemeClr val="accent1"/>
-          </a:effectRef>
-          <a:fontRef idx="minor">
-            <a:schemeClr val="lt1"/>
-          </a:fontRef>
-        </p:style>
-        <p:txBody>
-          <a:bodyPr rtlCol="0" anchor="ctr"/>
-          <a:lstStyle/>
-          <a:p>
-            <a:pPr algn="ctr"/>
-            <a:endParaRPr lang="zh-TW" altLang="en-US"/>
           </a:p>
         </p:txBody>
       </p:sp>
@@ -3316,110 +3294,16 @@
           </a:fontRef>
         </p:style>
       </p:cxnSp>
-      <p:cxnSp>
-        <p:nvCxnSpPr>
-          <p:cNvPr id="26" name="直線接點 25"/>
-          <p:cNvCxnSpPr/>
-          <p:nvPr/>
-        </p:nvCxnSpPr>
-        <p:spPr>
-          <a:xfrm>
-            <a:off x="4929075" y="536155"/>
-            <a:ext cx="454736" cy="41348"/>
-          </a:xfrm>
-          <a:prstGeom prst="line">
-            <a:avLst/>
-          </a:prstGeom>
-          <a:ln w="38100">
-            <a:solidFill>
-              <a:schemeClr val="tx1"/>
-            </a:solidFill>
-          </a:ln>
-        </p:spPr>
-        <p:style>
-          <a:lnRef idx="1">
-            <a:schemeClr val="accent1"/>
-          </a:lnRef>
-          <a:fillRef idx="0">
-            <a:schemeClr val="accent1"/>
-          </a:fillRef>
-          <a:effectRef idx="0">
-            <a:schemeClr val="accent1"/>
-          </a:effectRef>
-          <a:fontRef idx="minor">
-            <a:schemeClr val="tx1"/>
-          </a:fontRef>
-        </p:style>
-      </p:cxnSp>
-      <p:cxnSp>
-        <p:nvCxnSpPr>
-          <p:cNvPr id="33" name="直線接點 32"/>
-          <p:cNvCxnSpPr/>
-          <p:nvPr/>
-        </p:nvCxnSpPr>
-        <p:spPr>
-          <a:xfrm flipV="1">
-            <a:off x="4907757" y="1657035"/>
-            <a:ext cx="543879" cy="73402"/>
-          </a:xfrm>
-          <a:prstGeom prst="line">
-            <a:avLst/>
-          </a:prstGeom>
-          <a:ln w="38100">
-            <a:solidFill>
-              <a:schemeClr val="tx1"/>
-            </a:solidFill>
-          </a:ln>
-        </p:spPr>
-        <p:style>
-          <a:lnRef idx="1">
-            <a:schemeClr val="accent1"/>
-          </a:lnRef>
-          <a:fillRef idx="0">
-            <a:schemeClr val="accent1"/>
-          </a:fillRef>
-          <a:effectRef idx="0">
-            <a:schemeClr val="accent1"/>
-          </a:effectRef>
-          <a:fontRef idx="minor">
-            <a:schemeClr val="tx1"/>
-          </a:fontRef>
-        </p:style>
-      </p:cxnSp>
-      <p:pic>
-        <p:nvPicPr>
-          <p:cNvPr id="4" name="圖片 3"/>
-          <p:cNvPicPr>
-            <a:picLocks noChangeAspect="1"/>
-          </p:cNvPicPr>
-          <p:nvPr/>
-        </p:nvPicPr>
-        <p:blipFill>
-          <a:blip r:embed="rId4"/>
-          <a:stretch>
-            <a:fillRect/>
-          </a:stretch>
-        </p:blipFill>
-        <p:spPr>
-          <a:xfrm>
-            <a:off x="3838038" y="607088"/>
-            <a:ext cx="1041826" cy="1049947"/>
-          </a:xfrm>
-          <a:prstGeom prst="rect">
-            <a:avLst/>
-          </a:prstGeom>
-        </p:spPr>
-      </p:pic>
-      <p:sp>
-        <p:nvSpPr>
-          <p:cNvPr id="41" name="矩形 40"/>
+      <p:sp>
+        <p:nvSpPr>
+          <p:cNvPr id="43" name="矩形 42"/>
           <p:cNvSpPr/>
           <p:nvPr/>
         </p:nvSpPr>
         <p:spPr>
           <a:xfrm>
-            <a:off x="3808969" y="535006"/>
-            <a:ext cx="1120106" cy="1187150"/>
+            <a:off x="6523515" y="919780"/>
+            <a:ext cx="982112" cy="1059418"/>
           </a:xfrm>
           <a:prstGeom prst="rect">
             <a:avLst/>
@@ -3456,76 +3340,6 @@
           </a:p>
         </p:txBody>
       </p:sp>
-      <p:pic>
-        <p:nvPicPr>
-          <p:cNvPr id="7" name="圖片 6"/>
-          <p:cNvPicPr>
-            <a:picLocks noChangeAspect="1"/>
-          </p:cNvPicPr>
-          <p:nvPr/>
-        </p:nvPicPr>
-        <p:blipFill>
-          <a:blip r:embed="rId5"/>
-          <a:stretch>
-            <a:fillRect/>
-          </a:stretch>
-        </p:blipFill>
-        <p:spPr>
-          <a:xfrm>
-            <a:off x="5451636" y="625289"/>
-            <a:ext cx="914286" cy="952381"/>
-          </a:xfrm>
-          <a:prstGeom prst="rect">
-            <a:avLst/>
-          </a:prstGeom>
-        </p:spPr>
-      </p:pic>
-      <p:sp>
-        <p:nvSpPr>
-          <p:cNvPr id="43" name="矩形 42"/>
-          <p:cNvSpPr/>
-          <p:nvPr/>
-        </p:nvSpPr>
-        <p:spPr>
-          <a:xfrm>
-            <a:off x="9078475" y="630220"/>
-            <a:ext cx="982112" cy="1059418"/>
-          </a:xfrm>
-          <a:prstGeom prst="rect">
-            <a:avLst/>
-          </a:prstGeom>
-          <a:noFill/>
-          <a:ln w="38100">
-            <a:solidFill>
-              <a:schemeClr val="tx1"/>
-            </a:solidFill>
-          </a:ln>
-        </p:spPr>
-        <p:style>
-          <a:lnRef idx="2">
-            <a:schemeClr val="accent1">
-              <a:shade val="50000"/>
-            </a:schemeClr>
-          </a:lnRef>
-          <a:fillRef idx="1">
-            <a:schemeClr val="accent1"/>
-          </a:fillRef>
-          <a:effectRef idx="0">
-            <a:schemeClr val="accent1"/>
-          </a:effectRef>
-          <a:fontRef idx="minor">
-            <a:schemeClr val="lt1"/>
-          </a:fontRef>
-        </p:style>
-        <p:txBody>
-          <a:bodyPr rtlCol="0" anchor="ctr"/>
-          <a:lstStyle/>
-          <a:p>
-            <a:pPr algn="ctr"/>
-            <a:endParaRPr lang="zh-TW" altLang="en-US"/>
-          </a:p>
-        </p:txBody>
-      </p:sp>
       <p:cxnSp>
         <p:nvCxnSpPr>
           <p:cNvPr id="45" name="直線接點 44"/>
@@ -3534,7 +3348,7 @@
         </p:nvCxnSpPr>
         <p:spPr>
           <a:xfrm>
-            <a:off x="8623739" y="564979"/>
+            <a:off x="6068779" y="854539"/>
             <a:ext cx="454736" cy="41348"/>
           </a:xfrm>
           <a:prstGeom prst="line">
@@ -3569,7 +3383,7 @@
         </p:nvCxnSpPr>
         <p:spPr>
           <a:xfrm flipV="1">
-            <a:off x="8602421" y="1685859"/>
+            <a:off x="6047461" y="1975419"/>
             <a:ext cx="543879" cy="73402"/>
           </a:xfrm>
           <a:prstGeom prst="line">
@@ -3604,7 +3418,7 @@
         </p:nvSpPr>
         <p:spPr>
           <a:xfrm>
-            <a:off x="7503633" y="563830"/>
+            <a:off x="4948673" y="853390"/>
             <a:ext cx="1120106" cy="1187150"/>
           </a:xfrm>
           <a:prstGeom prst="rect">
@@ -3658,32 +3472,8 @@
         </p:blipFill>
         <p:spPr>
           <a:xfrm>
-            <a:off x="9146300" y="654113"/>
+            <a:off x="6591340" y="943673"/>
             <a:ext cx="914286" cy="952381"/>
-          </a:xfrm>
-          <a:prstGeom prst="rect">
-            <a:avLst/>
-          </a:prstGeom>
-        </p:spPr>
-      </p:pic>
-      <p:pic>
-        <p:nvPicPr>
-          <p:cNvPr id="17" name="圖片 16"/>
-          <p:cNvPicPr>
-            <a:picLocks noChangeAspect="1"/>
-          </p:cNvPicPr>
-          <p:nvPr/>
-        </p:nvPicPr>
-        <p:blipFill>
-          <a:blip r:embed="rId6"/>
-          <a:stretch>
-            <a:fillRect/>
-          </a:stretch>
-        </p:blipFill>
-        <p:spPr>
-          <a:xfrm>
-            <a:off x="7632241" y="677211"/>
-            <a:ext cx="942287" cy="1008647"/>
           </a:xfrm>
           <a:prstGeom prst="rect">
             <a:avLst/>
@@ -3729,7 +3519,7 @@
       </p:grpSpPr>
       <p:pic>
         <p:nvPicPr>
-          <p:cNvPr id="38" name="圖片 37"/>
+          <p:cNvPr id="11" name="圖片 10"/>
           <p:cNvPicPr>
             <a:picLocks noChangeAspect="1"/>
           </p:cNvPicPr>
@@ -3743,8 +3533,8 @@
         </p:blipFill>
         <p:spPr>
           <a:xfrm>
-            <a:off x="5921675" y="3586163"/>
-            <a:ext cx="1140631" cy="1278890"/>
+            <a:off x="6816823" y="1565840"/>
+            <a:ext cx="1047619" cy="1285714"/>
           </a:xfrm>
           <a:prstGeom prst="rect">
             <a:avLst/>
@@ -3753,7 +3543,7 @@
       </p:pic>
       <p:pic>
         <p:nvPicPr>
-          <p:cNvPr id="34" name="圖片 33"/>
+          <p:cNvPr id="3" name="圖片 2"/>
           <p:cNvPicPr>
             <a:picLocks noChangeAspect="1"/>
           </p:cNvPicPr>
@@ -3767,8 +3557,8 @@
         </p:blipFill>
         <p:spPr>
           <a:xfrm>
-            <a:off x="5918741" y="2067694"/>
-            <a:ext cx="1092054" cy="1352066"/>
+            <a:off x="1835244" y="1427602"/>
+            <a:ext cx="1171429" cy="1257143"/>
           </a:xfrm>
           <a:prstGeom prst="rect">
             <a:avLst/>
@@ -3777,7 +3567,7 @@
       </p:pic>
       <p:pic>
         <p:nvPicPr>
-          <p:cNvPr id="30" name="圖片 29"/>
+          <p:cNvPr id="54" name="圖片 53"/>
           <p:cNvPicPr>
             <a:picLocks noChangeAspect="1"/>
           </p:cNvPicPr>
@@ -3791,8 +3581,8 @@
         </p:blipFill>
         <p:spPr>
           <a:xfrm>
-            <a:off x="5814215" y="260727"/>
-            <a:ext cx="1239450" cy="1337300"/>
+            <a:off x="4225029" y="1537600"/>
+            <a:ext cx="914286" cy="952381"/>
           </a:xfrm>
           <a:prstGeom prst="rect">
             <a:avLst/>
@@ -3801,7 +3591,727 @@
       </p:pic>
       <p:pic>
         <p:nvPicPr>
-          <p:cNvPr id="26" name="圖片 25"/>
+          <p:cNvPr id="64" name="圖片 63"/>
+          <p:cNvPicPr>
+            <a:picLocks noChangeAspect="1"/>
+          </p:cNvPicPr>
+          <p:nvPr/>
+        </p:nvPicPr>
+        <p:blipFill>
+          <a:blip r:embed="rId4"/>
+          <a:stretch>
+            <a:fillRect/>
+          </a:stretch>
+        </p:blipFill>
+        <p:spPr>
+          <a:xfrm>
+            <a:off x="4091342" y="3154389"/>
+            <a:ext cx="914286" cy="952381"/>
+          </a:xfrm>
+          <a:prstGeom prst="rect">
+            <a:avLst/>
+          </a:prstGeom>
+        </p:spPr>
+      </p:pic>
+      <p:pic>
+        <p:nvPicPr>
+          <p:cNvPr id="67" name="圖片 66"/>
+          <p:cNvPicPr>
+            <a:picLocks noChangeAspect="1"/>
+          </p:cNvPicPr>
+          <p:nvPr/>
+        </p:nvPicPr>
+        <p:blipFill>
+          <a:blip r:embed="rId4"/>
+          <a:stretch>
+            <a:fillRect/>
+          </a:stretch>
+        </p:blipFill>
+        <p:spPr>
+          <a:xfrm>
+            <a:off x="9185937" y="3430224"/>
+            <a:ext cx="914286" cy="952381"/>
+          </a:xfrm>
+          <a:prstGeom prst="rect">
+            <a:avLst/>
+          </a:prstGeom>
+        </p:spPr>
+      </p:pic>
+      <p:pic>
+        <p:nvPicPr>
+          <p:cNvPr id="68" name="圖片 67"/>
+          <p:cNvPicPr>
+            <a:picLocks noChangeAspect="1"/>
+          </p:cNvPicPr>
+          <p:nvPr/>
+        </p:nvPicPr>
+        <p:blipFill>
+          <a:blip r:embed="rId4"/>
+          <a:stretch>
+            <a:fillRect/>
+          </a:stretch>
+        </p:blipFill>
+        <p:spPr>
+          <a:xfrm>
+            <a:off x="9037572" y="1643165"/>
+            <a:ext cx="914286" cy="952381"/>
+          </a:xfrm>
+          <a:prstGeom prst="rect">
+            <a:avLst/>
+          </a:prstGeom>
+        </p:spPr>
+      </p:pic>
+      <p:sp>
+        <p:nvSpPr>
+          <p:cNvPr id="13" name="矩形 12"/>
+          <p:cNvSpPr/>
+          <p:nvPr/>
+        </p:nvSpPr>
+        <p:spPr>
+          <a:xfrm>
+            <a:off x="1901912" y="1364464"/>
+            <a:ext cx="1030762" cy="1352515"/>
+          </a:xfrm>
+          <a:prstGeom prst="rect">
+            <a:avLst/>
+          </a:prstGeom>
+          <a:noFill/>
+          <a:ln w="38100">
+            <a:solidFill>
+              <a:schemeClr val="tx1"/>
+            </a:solidFill>
+          </a:ln>
+        </p:spPr>
+        <p:style>
+          <a:lnRef idx="2">
+            <a:schemeClr val="accent1">
+              <a:shade val="50000"/>
+            </a:schemeClr>
+          </a:lnRef>
+          <a:fillRef idx="1">
+            <a:schemeClr val="accent1"/>
+          </a:fillRef>
+          <a:effectRef idx="0">
+            <a:schemeClr val="accent1"/>
+          </a:effectRef>
+          <a:fontRef idx="minor">
+            <a:schemeClr val="lt1"/>
+          </a:fontRef>
+        </p:style>
+        <p:txBody>
+          <a:bodyPr rtlCol="0" anchor="ctr"/>
+          <a:lstStyle/>
+          <a:p>
+            <a:pPr algn="ctr"/>
+            <a:endParaRPr lang="zh-TW" altLang="en-US"/>
+          </a:p>
+        </p:txBody>
+      </p:sp>
+      <p:sp>
+        <p:nvSpPr>
+          <p:cNvPr id="12" name="矩形 11"/>
+          <p:cNvSpPr/>
+          <p:nvPr/>
+        </p:nvSpPr>
+        <p:spPr>
+          <a:xfrm>
+            <a:off x="6825252" y="1514142"/>
+            <a:ext cx="1030762" cy="1352515"/>
+          </a:xfrm>
+          <a:prstGeom prst="rect">
+            <a:avLst/>
+          </a:prstGeom>
+          <a:noFill/>
+          <a:ln w="38100">
+            <a:solidFill>
+              <a:schemeClr val="tx1"/>
+            </a:solidFill>
+          </a:ln>
+        </p:spPr>
+        <p:style>
+          <a:lnRef idx="2">
+            <a:schemeClr val="accent1">
+              <a:shade val="50000"/>
+            </a:schemeClr>
+          </a:lnRef>
+          <a:fillRef idx="1">
+            <a:schemeClr val="accent1"/>
+          </a:fillRef>
+          <a:effectRef idx="0">
+            <a:schemeClr val="accent1"/>
+          </a:effectRef>
+          <a:fontRef idx="minor">
+            <a:schemeClr val="lt1"/>
+          </a:fontRef>
+        </p:style>
+        <p:txBody>
+          <a:bodyPr rtlCol="0" anchor="ctr"/>
+          <a:lstStyle/>
+          <a:p>
+            <a:pPr algn="ctr"/>
+            <a:endParaRPr lang="zh-TW" altLang="en-US"/>
+          </a:p>
+        </p:txBody>
+      </p:sp>
+      <p:sp>
+        <p:nvSpPr>
+          <p:cNvPr id="14" name="矩形 13"/>
+          <p:cNvSpPr/>
+          <p:nvPr/>
+        </p:nvSpPr>
+        <p:spPr>
+          <a:xfrm>
+            <a:off x="6899047" y="3279256"/>
+            <a:ext cx="1030762" cy="1352515"/>
+          </a:xfrm>
+          <a:prstGeom prst="rect">
+            <a:avLst/>
+          </a:prstGeom>
+          <a:noFill/>
+          <a:ln w="38100">
+            <a:solidFill>
+              <a:schemeClr val="tx1"/>
+            </a:solidFill>
+          </a:ln>
+        </p:spPr>
+        <p:style>
+          <a:lnRef idx="2">
+            <a:schemeClr val="accent1">
+              <a:shade val="50000"/>
+            </a:schemeClr>
+          </a:lnRef>
+          <a:fillRef idx="1">
+            <a:schemeClr val="accent1"/>
+          </a:fillRef>
+          <a:effectRef idx="0">
+            <a:schemeClr val="accent1"/>
+          </a:effectRef>
+          <a:fontRef idx="minor">
+            <a:schemeClr val="lt1"/>
+          </a:fontRef>
+        </p:style>
+        <p:txBody>
+          <a:bodyPr rtlCol="0" anchor="ctr"/>
+          <a:lstStyle/>
+          <a:p>
+            <a:pPr algn="ctr"/>
+            <a:endParaRPr lang="zh-TW" altLang="en-US"/>
+          </a:p>
+        </p:txBody>
+      </p:sp>
+      <p:sp>
+        <p:nvSpPr>
+          <p:cNvPr id="20" name="矩形 19"/>
+          <p:cNvSpPr/>
+          <p:nvPr/>
+        </p:nvSpPr>
+        <p:spPr>
+          <a:xfrm>
+            <a:off x="1854294" y="2972075"/>
+            <a:ext cx="1030762" cy="1352515"/>
+          </a:xfrm>
+          <a:prstGeom prst="rect">
+            <a:avLst/>
+          </a:prstGeom>
+          <a:noFill/>
+          <a:ln w="38100">
+            <a:solidFill>
+              <a:schemeClr val="tx1"/>
+            </a:solidFill>
+          </a:ln>
+        </p:spPr>
+        <p:style>
+          <a:lnRef idx="2">
+            <a:schemeClr val="accent1">
+              <a:shade val="50000"/>
+            </a:schemeClr>
+          </a:lnRef>
+          <a:fillRef idx="1">
+            <a:schemeClr val="accent1"/>
+          </a:fillRef>
+          <a:effectRef idx="0">
+            <a:schemeClr val="accent1"/>
+          </a:effectRef>
+          <a:fontRef idx="minor">
+            <a:schemeClr val="lt1"/>
+          </a:fontRef>
+        </p:style>
+        <p:txBody>
+          <a:bodyPr rtlCol="0" anchor="ctr"/>
+          <a:lstStyle/>
+          <a:p>
+            <a:pPr algn="ctr"/>
+            <a:endParaRPr lang="zh-TW" altLang="en-US"/>
+          </a:p>
+        </p:txBody>
+      </p:sp>
+      <p:cxnSp>
+        <p:nvCxnSpPr>
+          <p:cNvPr id="21" name="直線接點 20"/>
+          <p:cNvCxnSpPr/>
+          <p:nvPr/>
+        </p:nvCxnSpPr>
+        <p:spPr>
+          <a:xfrm>
+            <a:off x="2932674" y="1377444"/>
+            <a:ext cx="1218356" cy="151490"/>
+          </a:xfrm>
+          <a:prstGeom prst="line">
+            <a:avLst/>
+          </a:prstGeom>
+          <a:ln w="38100">
+            <a:solidFill>
+              <a:schemeClr val="tx1"/>
+            </a:solidFill>
+          </a:ln>
+        </p:spPr>
+        <p:style>
+          <a:lnRef idx="1">
+            <a:schemeClr val="accent1"/>
+          </a:lnRef>
+          <a:fillRef idx="0">
+            <a:schemeClr val="accent1"/>
+          </a:fillRef>
+          <a:effectRef idx="0">
+            <a:schemeClr val="accent1"/>
+          </a:effectRef>
+          <a:fontRef idx="minor">
+            <a:schemeClr val="tx1"/>
+          </a:fontRef>
+        </p:style>
+      </p:cxnSp>
+      <p:sp>
+        <p:nvSpPr>
+          <p:cNvPr id="23" name="矩形 22"/>
+          <p:cNvSpPr/>
+          <p:nvPr/>
+        </p:nvSpPr>
+        <p:spPr>
+          <a:xfrm>
+            <a:off x="4151030" y="1521629"/>
+            <a:ext cx="925932" cy="996778"/>
+          </a:xfrm>
+          <a:prstGeom prst="rect">
+            <a:avLst/>
+          </a:prstGeom>
+          <a:noFill/>
+          <a:ln w="38100">
+            <a:solidFill>
+              <a:schemeClr val="tx1"/>
+            </a:solidFill>
+          </a:ln>
+        </p:spPr>
+        <p:style>
+          <a:lnRef idx="2">
+            <a:schemeClr val="accent1">
+              <a:shade val="50000"/>
+            </a:schemeClr>
+          </a:lnRef>
+          <a:fillRef idx="1">
+            <a:schemeClr val="accent1"/>
+          </a:fillRef>
+          <a:effectRef idx="0">
+            <a:schemeClr val="accent1"/>
+          </a:effectRef>
+          <a:fontRef idx="minor">
+            <a:schemeClr val="lt1"/>
+          </a:fontRef>
+        </p:style>
+        <p:txBody>
+          <a:bodyPr rtlCol="0" anchor="ctr"/>
+          <a:lstStyle/>
+          <a:p>
+            <a:pPr algn="ctr"/>
+            <a:endParaRPr lang="zh-TW" altLang="en-US"/>
+          </a:p>
+        </p:txBody>
+      </p:sp>
+      <p:cxnSp>
+        <p:nvCxnSpPr>
+          <p:cNvPr id="22" name="直線接點 21"/>
+          <p:cNvCxnSpPr/>
+          <p:nvPr/>
+        </p:nvCxnSpPr>
+        <p:spPr>
+          <a:xfrm flipV="1">
+            <a:off x="2932674" y="2547380"/>
+            <a:ext cx="1218356" cy="171567"/>
+          </a:xfrm>
+          <a:prstGeom prst="line">
+            <a:avLst/>
+          </a:prstGeom>
+          <a:ln w="38100">
+            <a:solidFill>
+              <a:schemeClr val="tx1"/>
+            </a:solidFill>
+          </a:ln>
+        </p:spPr>
+        <p:style>
+          <a:lnRef idx="1">
+            <a:schemeClr val="accent1"/>
+          </a:lnRef>
+          <a:fillRef idx="0">
+            <a:schemeClr val="accent1"/>
+          </a:fillRef>
+          <a:effectRef idx="0">
+            <a:schemeClr val="accent1"/>
+          </a:effectRef>
+          <a:fontRef idx="minor">
+            <a:schemeClr val="tx1"/>
+          </a:fontRef>
+        </p:style>
+      </p:cxnSp>
+      <p:cxnSp>
+        <p:nvCxnSpPr>
+          <p:cNvPr id="25" name="直線接點 24"/>
+          <p:cNvCxnSpPr/>
+          <p:nvPr/>
+        </p:nvCxnSpPr>
+        <p:spPr>
+          <a:xfrm>
+            <a:off x="2895602" y="2979702"/>
+            <a:ext cx="1218356" cy="151490"/>
+          </a:xfrm>
+          <a:prstGeom prst="line">
+            <a:avLst/>
+          </a:prstGeom>
+          <a:ln w="38100">
+            <a:solidFill>
+              <a:schemeClr val="tx1"/>
+            </a:solidFill>
+          </a:ln>
+        </p:spPr>
+        <p:style>
+          <a:lnRef idx="1">
+            <a:schemeClr val="accent1"/>
+          </a:lnRef>
+          <a:fillRef idx="0">
+            <a:schemeClr val="accent1"/>
+          </a:fillRef>
+          <a:effectRef idx="0">
+            <a:schemeClr val="accent1"/>
+          </a:effectRef>
+          <a:fontRef idx="minor">
+            <a:schemeClr val="tx1"/>
+          </a:fontRef>
+        </p:style>
+      </p:cxnSp>
+      <p:sp>
+        <p:nvSpPr>
+          <p:cNvPr id="27" name="矩形 26"/>
+          <p:cNvSpPr/>
+          <p:nvPr/>
+        </p:nvSpPr>
+        <p:spPr>
+          <a:xfrm>
+            <a:off x="4113958" y="3123887"/>
+            <a:ext cx="925932" cy="996778"/>
+          </a:xfrm>
+          <a:prstGeom prst="rect">
+            <a:avLst/>
+          </a:prstGeom>
+          <a:noFill/>
+          <a:ln w="38100">
+            <a:solidFill>
+              <a:schemeClr val="tx1"/>
+            </a:solidFill>
+          </a:ln>
+        </p:spPr>
+        <p:style>
+          <a:lnRef idx="2">
+            <a:schemeClr val="accent1">
+              <a:shade val="50000"/>
+            </a:schemeClr>
+          </a:lnRef>
+          <a:fillRef idx="1">
+            <a:schemeClr val="accent1"/>
+          </a:fillRef>
+          <a:effectRef idx="0">
+            <a:schemeClr val="accent1"/>
+          </a:effectRef>
+          <a:fontRef idx="minor">
+            <a:schemeClr val="lt1"/>
+          </a:fontRef>
+        </p:style>
+        <p:txBody>
+          <a:bodyPr rtlCol="0" anchor="ctr"/>
+          <a:lstStyle/>
+          <a:p>
+            <a:pPr algn="ctr"/>
+            <a:endParaRPr lang="zh-TW" altLang="en-US"/>
+          </a:p>
+        </p:txBody>
+      </p:sp>
+      <p:cxnSp>
+        <p:nvCxnSpPr>
+          <p:cNvPr id="28" name="直線接點 27"/>
+          <p:cNvCxnSpPr/>
+          <p:nvPr/>
+        </p:nvCxnSpPr>
+        <p:spPr>
+          <a:xfrm flipV="1">
+            <a:off x="2895602" y="4149638"/>
+            <a:ext cx="1218356" cy="171567"/>
+          </a:xfrm>
+          <a:prstGeom prst="line">
+            <a:avLst/>
+          </a:prstGeom>
+          <a:ln w="38100">
+            <a:solidFill>
+              <a:schemeClr val="tx1"/>
+            </a:solidFill>
+          </a:ln>
+        </p:spPr>
+        <p:style>
+          <a:lnRef idx="1">
+            <a:schemeClr val="accent1"/>
+          </a:lnRef>
+          <a:fillRef idx="0">
+            <a:schemeClr val="accent1"/>
+          </a:fillRef>
+          <a:effectRef idx="0">
+            <a:schemeClr val="accent1"/>
+          </a:effectRef>
+          <a:fontRef idx="minor">
+            <a:schemeClr val="tx1"/>
+          </a:fontRef>
+        </p:style>
+      </p:cxnSp>
+      <p:cxnSp>
+        <p:nvCxnSpPr>
+          <p:cNvPr id="37" name="直線接點 36"/>
+          <p:cNvCxnSpPr/>
+          <p:nvPr/>
+        </p:nvCxnSpPr>
+        <p:spPr>
+          <a:xfrm>
+            <a:off x="7856014" y="1528934"/>
+            <a:ext cx="1218356" cy="151490"/>
+          </a:xfrm>
+          <a:prstGeom prst="line">
+            <a:avLst/>
+          </a:prstGeom>
+          <a:ln w="38100">
+            <a:solidFill>
+              <a:schemeClr val="tx1"/>
+            </a:solidFill>
+          </a:ln>
+        </p:spPr>
+        <p:style>
+          <a:lnRef idx="1">
+            <a:schemeClr val="accent1"/>
+          </a:lnRef>
+          <a:fillRef idx="0">
+            <a:schemeClr val="accent1"/>
+          </a:fillRef>
+          <a:effectRef idx="0">
+            <a:schemeClr val="accent1"/>
+          </a:effectRef>
+          <a:fontRef idx="minor">
+            <a:schemeClr val="tx1"/>
+          </a:fontRef>
+        </p:style>
+      </p:cxnSp>
+      <p:sp>
+        <p:nvSpPr>
+          <p:cNvPr id="39" name="矩形 38"/>
+          <p:cNvSpPr/>
+          <p:nvPr/>
+        </p:nvSpPr>
+        <p:spPr>
+          <a:xfrm>
+            <a:off x="9074370" y="1673119"/>
+            <a:ext cx="925932" cy="996778"/>
+          </a:xfrm>
+          <a:prstGeom prst="rect">
+            <a:avLst/>
+          </a:prstGeom>
+          <a:noFill/>
+          <a:ln w="38100">
+            <a:solidFill>
+              <a:schemeClr val="tx1"/>
+            </a:solidFill>
+          </a:ln>
+        </p:spPr>
+        <p:style>
+          <a:lnRef idx="2">
+            <a:schemeClr val="accent1">
+              <a:shade val="50000"/>
+            </a:schemeClr>
+          </a:lnRef>
+          <a:fillRef idx="1">
+            <a:schemeClr val="accent1"/>
+          </a:fillRef>
+          <a:effectRef idx="0">
+            <a:schemeClr val="accent1"/>
+          </a:effectRef>
+          <a:fontRef idx="minor">
+            <a:schemeClr val="lt1"/>
+          </a:fontRef>
+        </p:style>
+        <p:txBody>
+          <a:bodyPr rtlCol="0" anchor="ctr"/>
+          <a:lstStyle/>
+          <a:p>
+            <a:pPr algn="ctr"/>
+            <a:endParaRPr lang="zh-TW" altLang="en-US"/>
+          </a:p>
+        </p:txBody>
+      </p:sp>
+      <p:cxnSp>
+        <p:nvCxnSpPr>
+          <p:cNvPr id="40" name="直線接點 39"/>
+          <p:cNvCxnSpPr/>
+          <p:nvPr/>
+        </p:nvCxnSpPr>
+        <p:spPr>
+          <a:xfrm flipV="1">
+            <a:off x="7856014" y="2698870"/>
+            <a:ext cx="1218356" cy="171567"/>
+          </a:xfrm>
+          <a:prstGeom prst="line">
+            <a:avLst/>
+          </a:prstGeom>
+          <a:ln w="38100">
+            <a:solidFill>
+              <a:schemeClr val="tx1"/>
+            </a:solidFill>
+          </a:ln>
+        </p:spPr>
+        <p:style>
+          <a:lnRef idx="1">
+            <a:schemeClr val="accent1"/>
+          </a:lnRef>
+          <a:fillRef idx="0">
+            <a:schemeClr val="accent1"/>
+          </a:fillRef>
+          <a:effectRef idx="0">
+            <a:schemeClr val="accent1"/>
+          </a:effectRef>
+          <a:fontRef idx="minor">
+            <a:schemeClr val="tx1"/>
+          </a:fontRef>
+        </p:style>
+      </p:cxnSp>
+      <p:cxnSp>
+        <p:nvCxnSpPr>
+          <p:cNvPr id="45" name="直線接點 44"/>
+          <p:cNvCxnSpPr/>
+          <p:nvPr/>
+        </p:nvCxnSpPr>
+        <p:spPr>
+          <a:xfrm>
+            <a:off x="7929809" y="3286039"/>
+            <a:ext cx="1218356" cy="151490"/>
+          </a:xfrm>
+          <a:prstGeom prst="line">
+            <a:avLst/>
+          </a:prstGeom>
+          <a:ln w="38100">
+            <a:solidFill>
+              <a:schemeClr val="tx1"/>
+            </a:solidFill>
+          </a:ln>
+        </p:spPr>
+        <p:style>
+          <a:lnRef idx="1">
+            <a:schemeClr val="accent1"/>
+          </a:lnRef>
+          <a:fillRef idx="0">
+            <a:schemeClr val="accent1"/>
+          </a:fillRef>
+          <a:effectRef idx="0">
+            <a:schemeClr val="accent1"/>
+          </a:effectRef>
+          <a:fontRef idx="minor">
+            <a:schemeClr val="tx1"/>
+          </a:fontRef>
+        </p:style>
+      </p:cxnSp>
+      <p:sp>
+        <p:nvSpPr>
+          <p:cNvPr id="47" name="矩形 46"/>
+          <p:cNvSpPr/>
+          <p:nvPr/>
+        </p:nvSpPr>
+        <p:spPr>
+          <a:xfrm>
+            <a:off x="9148165" y="3430224"/>
+            <a:ext cx="925932" cy="996778"/>
+          </a:xfrm>
+          <a:prstGeom prst="rect">
+            <a:avLst/>
+          </a:prstGeom>
+          <a:noFill/>
+          <a:ln w="38100">
+            <a:solidFill>
+              <a:schemeClr val="tx1"/>
+            </a:solidFill>
+          </a:ln>
+        </p:spPr>
+        <p:style>
+          <a:lnRef idx="2">
+            <a:schemeClr val="accent1">
+              <a:shade val="50000"/>
+            </a:schemeClr>
+          </a:lnRef>
+          <a:fillRef idx="1">
+            <a:schemeClr val="accent1"/>
+          </a:fillRef>
+          <a:effectRef idx="0">
+            <a:schemeClr val="accent1"/>
+          </a:effectRef>
+          <a:fontRef idx="minor">
+            <a:schemeClr val="lt1"/>
+          </a:fontRef>
+        </p:style>
+        <p:txBody>
+          <a:bodyPr rtlCol="0" anchor="ctr"/>
+          <a:lstStyle/>
+          <a:p>
+            <a:pPr algn="ctr"/>
+            <a:endParaRPr lang="zh-TW" altLang="en-US"/>
+          </a:p>
+        </p:txBody>
+      </p:sp>
+      <p:cxnSp>
+        <p:nvCxnSpPr>
+          <p:cNvPr id="48" name="直線接點 47"/>
+          <p:cNvCxnSpPr/>
+          <p:nvPr/>
+        </p:nvCxnSpPr>
+        <p:spPr>
+          <a:xfrm flipV="1">
+            <a:off x="7929809" y="4455975"/>
+            <a:ext cx="1218356" cy="171567"/>
+          </a:xfrm>
+          <a:prstGeom prst="line">
+            <a:avLst/>
+          </a:prstGeom>
+          <a:ln w="38100">
+            <a:solidFill>
+              <a:schemeClr val="tx1"/>
+            </a:solidFill>
+          </a:ln>
+        </p:spPr>
+        <p:style>
+          <a:lnRef idx="1">
+            <a:schemeClr val="accent1"/>
+          </a:lnRef>
+          <a:fillRef idx="0">
+            <a:schemeClr val="accent1"/>
+          </a:fillRef>
+          <a:effectRef idx="0">
+            <a:schemeClr val="accent1"/>
+          </a:effectRef>
+          <a:fontRef idx="minor">
+            <a:schemeClr val="tx1"/>
+          </a:fontRef>
+        </p:style>
+      </p:cxnSp>
+      <p:pic>
+        <p:nvPicPr>
+          <p:cNvPr id="16" name="圖片 15"/>
           <p:cNvPicPr>
             <a:picLocks noChangeAspect="1"/>
           </p:cNvPicPr>
@@ -3815,8 +4325,8 @@
         </p:blipFill>
         <p:spPr>
           <a:xfrm>
-            <a:off x="775588" y="5104331"/>
-            <a:ext cx="1227562" cy="1432157"/>
+            <a:off x="1942370" y="3050847"/>
+            <a:ext cx="885714" cy="1142857"/>
           </a:xfrm>
           <a:prstGeom prst="rect">
             <a:avLst/>
@@ -3839,1568 +4349,8 @@
         </p:blipFill>
         <p:spPr>
           <a:xfrm>
-            <a:off x="936059" y="3391489"/>
-            <a:ext cx="1135159" cy="1493631"/>
-          </a:xfrm>
-          <a:prstGeom prst="rect">
-            <a:avLst/>
-          </a:prstGeom>
-        </p:spPr>
-      </p:pic>
-      <p:pic>
-        <p:nvPicPr>
-          <p:cNvPr id="16" name="圖片 15"/>
-          <p:cNvPicPr>
-            <a:picLocks noChangeAspect="1"/>
-          </p:cNvPicPr>
-          <p:nvPr/>
-        </p:nvPicPr>
-        <p:blipFill>
-          <a:blip r:embed="rId7"/>
-          <a:stretch>
-            <a:fillRect/>
-          </a:stretch>
-        </p:blipFill>
-        <p:spPr>
-          <a:xfrm>
-            <a:off x="954285" y="1909036"/>
-            <a:ext cx="1012475" cy="1134671"/>
-          </a:xfrm>
-          <a:prstGeom prst="rect">
-            <a:avLst/>
-          </a:prstGeom>
-        </p:spPr>
-      </p:pic>
-      <p:pic>
-        <p:nvPicPr>
-          <p:cNvPr id="54" name="圖片 53"/>
-          <p:cNvPicPr>
-            <a:picLocks noChangeAspect="1"/>
-          </p:cNvPicPr>
-          <p:nvPr/>
-        </p:nvPicPr>
-        <p:blipFill>
-          <a:blip r:embed="rId8"/>
-          <a:stretch>
-            <a:fillRect/>
-          </a:stretch>
-        </p:blipFill>
-        <p:spPr>
-          <a:xfrm>
-            <a:off x="3244723" y="268970"/>
-            <a:ext cx="914286" cy="952381"/>
-          </a:xfrm>
-          <a:prstGeom prst="rect">
-            <a:avLst/>
-          </a:prstGeom>
-        </p:spPr>
-      </p:pic>
-      <p:pic>
-        <p:nvPicPr>
-          <p:cNvPr id="64" name="圖片 63"/>
-          <p:cNvPicPr>
-            <a:picLocks noChangeAspect="1"/>
-          </p:cNvPicPr>
-          <p:nvPr/>
-        </p:nvPicPr>
-        <p:blipFill>
-          <a:blip r:embed="rId8"/>
-          <a:stretch>
-            <a:fillRect/>
-          </a:stretch>
-        </p:blipFill>
-        <p:spPr>
-          <a:xfrm>
-            <a:off x="3111036" y="1885759"/>
-            <a:ext cx="914286" cy="952381"/>
-          </a:xfrm>
-          <a:prstGeom prst="rect">
-            <a:avLst/>
-          </a:prstGeom>
-        </p:spPr>
-      </p:pic>
-      <p:pic>
-        <p:nvPicPr>
-          <p:cNvPr id="65" name="圖片 64"/>
-          <p:cNvPicPr>
-            <a:picLocks noChangeAspect="1"/>
-          </p:cNvPicPr>
-          <p:nvPr/>
-        </p:nvPicPr>
-        <p:blipFill>
-          <a:blip r:embed="rId8"/>
-          <a:stretch>
-            <a:fillRect/>
-          </a:stretch>
-        </p:blipFill>
-        <p:spPr>
-          <a:xfrm>
-            <a:off x="8224966" y="5246944"/>
-            <a:ext cx="914286" cy="952381"/>
-          </a:xfrm>
-          <a:prstGeom prst="rect">
-            <a:avLst/>
-          </a:prstGeom>
-        </p:spPr>
-      </p:pic>
-      <p:pic>
-        <p:nvPicPr>
-          <p:cNvPr id="66" name="圖片 65"/>
-          <p:cNvPicPr>
-            <a:picLocks noChangeAspect="1"/>
-          </p:cNvPicPr>
-          <p:nvPr/>
-        </p:nvPicPr>
-        <p:blipFill>
-          <a:blip r:embed="rId8"/>
-          <a:stretch>
-            <a:fillRect/>
-          </a:stretch>
-        </p:blipFill>
-        <p:spPr>
-          <a:xfrm>
-            <a:off x="8173682" y="3673530"/>
-            <a:ext cx="914286" cy="952381"/>
-          </a:xfrm>
-          <a:prstGeom prst="rect">
-            <a:avLst/>
-          </a:prstGeom>
-        </p:spPr>
-      </p:pic>
-      <p:pic>
-        <p:nvPicPr>
-          <p:cNvPr id="67" name="圖片 66"/>
-          <p:cNvPicPr>
-            <a:picLocks noChangeAspect="1"/>
-          </p:cNvPicPr>
-          <p:nvPr/>
-        </p:nvPicPr>
-        <p:blipFill>
-          <a:blip r:embed="rId8"/>
-          <a:stretch>
-            <a:fillRect/>
-          </a:stretch>
-        </p:blipFill>
-        <p:spPr>
-          <a:xfrm>
-            <a:off x="8205631" y="2161594"/>
-            <a:ext cx="914286" cy="952381"/>
-          </a:xfrm>
-          <a:prstGeom prst="rect">
-            <a:avLst/>
-          </a:prstGeom>
-        </p:spPr>
-      </p:pic>
-      <p:pic>
-        <p:nvPicPr>
-          <p:cNvPr id="68" name="圖片 67"/>
-          <p:cNvPicPr>
-            <a:picLocks noChangeAspect="1"/>
-          </p:cNvPicPr>
-          <p:nvPr/>
-        </p:nvPicPr>
-        <p:blipFill>
-          <a:blip r:embed="rId8"/>
-          <a:stretch>
-            <a:fillRect/>
-          </a:stretch>
-        </p:blipFill>
-        <p:spPr>
-          <a:xfrm>
-            <a:off x="8057266" y="374535"/>
-            <a:ext cx="914286" cy="952381"/>
-          </a:xfrm>
-          <a:prstGeom prst="rect">
-            <a:avLst/>
-          </a:prstGeom>
-        </p:spPr>
-      </p:pic>
-      <p:pic>
-        <p:nvPicPr>
-          <p:cNvPr id="69" name="圖片 68"/>
-          <p:cNvPicPr>
-            <a:picLocks noChangeAspect="1"/>
-          </p:cNvPicPr>
-          <p:nvPr/>
-        </p:nvPicPr>
-        <p:blipFill>
-          <a:blip r:embed="rId8"/>
-          <a:stretch>
-            <a:fillRect/>
-          </a:stretch>
-        </p:blipFill>
-        <p:spPr>
-          <a:xfrm>
-            <a:off x="3111036" y="5358925"/>
-            <a:ext cx="914286" cy="952381"/>
-          </a:xfrm>
-          <a:prstGeom prst="rect">
-            <a:avLst/>
-          </a:prstGeom>
-        </p:spPr>
-      </p:pic>
-      <p:pic>
-        <p:nvPicPr>
-          <p:cNvPr id="70" name="圖片 69"/>
-          <p:cNvPicPr>
-            <a:picLocks noChangeAspect="1"/>
-          </p:cNvPicPr>
-          <p:nvPr/>
-        </p:nvPicPr>
-        <p:blipFill>
-          <a:blip r:embed="rId8"/>
-          <a:stretch>
-            <a:fillRect/>
-          </a:stretch>
-        </p:blipFill>
-        <p:spPr>
-          <a:xfrm>
-            <a:off x="3190002" y="3541879"/>
-            <a:ext cx="914286" cy="952381"/>
-          </a:xfrm>
-          <a:prstGeom prst="rect">
-            <a:avLst/>
-          </a:prstGeom>
-        </p:spPr>
-      </p:pic>
-      <p:pic>
-        <p:nvPicPr>
-          <p:cNvPr id="3" name="圖片 2"/>
-          <p:cNvPicPr>
-            <a:picLocks noChangeAspect="1"/>
-          </p:cNvPicPr>
-          <p:nvPr/>
-        </p:nvPicPr>
-        <p:blipFill>
-          <a:blip r:embed="rId9"/>
-          <a:stretch>
-            <a:fillRect/>
-          </a:stretch>
-        </p:blipFill>
-        <p:spPr>
-          <a:xfrm>
-            <a:off x="962249" y="217676"/>
-            <a:ext cx="1121929" cy="1069586"/>
-          </a:xfrm>
-          <a:prstGeom prst="rect">
-            <a:avLst/>
-          </a:prstGeom>
-        </p:spPr>
-      </p:pic>
-      <p:sp>
-        <p:nvSpPr>
-          <p:cNvPr id="13" name="矩形 12"/>
-          <p:cNvSpPr/>
-          <p:nvPr/>
-        </p:nvSpPr>
-        <p:spPr>
-          <a:xfrm>
-            <a:off x="921606" y="95834"/>
-            <a:ext cx="1030762" cy="1352515"/>
-          </a:xfrm>
-          <a:prstGeom prst="rect">
-            <a:avLst/>
-          </a:prstGeom>
-          <a:noFill/>
-          <a:ln w="38100">
-            <a:solidFill>
-              <a:schemeClr val="tx1"/>
-            </a:solidFill>
-          </a:ln>
-        </p:spPr>
-        <p:style>
-          <a:lnRef idx="2">
-            <a:schemeClr val="accent1">
-              <a:shade val="50000"/>
-            </a:schemeClr>
-          </a:lnRef>
-          <a:fillRef idx="1">
-            <a:schemeClr val="accent1"/>
-          </a:fillRef>
-          <a:effectRef idx="0">
-            <a:schemeClr val="accent1"/>
-          </a:effectRef>
-          <a:fontRef idx="minor">
-            <a:schemeClr val="lt1"/>
-          </a:fontRef>
-        </p:style>
-        <p:txBody>
-          <a:bodyPr rtlCol="0" anchor="ctr"/>
-          <a:lstStyle/>
-          <a:p>
-            <a:pPr algn="ctr"/>
-            <a:endParaRPr lang="zh-TW" altLang="en-US"/>
-          </a:p>
-        </p:txBody>
-      </p:sp>
-      <p:sp>
-        <p:nvSpPr>
-          <p:cNvPr id="12" name="矩形 11"/>
-          <p:cNvSpPr/>
-          <p:nvPr/>
-        </p:nvSpPr>
-        <p:spPr>
-          <a:xfrm>
-            <a:off x="5844946" y="245512"/>
-            <a:ext cx="1030762" cy="1352515"/>
-          </a:xfrm>
-          <a:prstGeom prst="rect">
-            <a:avLst/>
-          </a:prstGeom>
-          <a:noFill/>
-          <a:ln w="38100">
-            <a:solidFill>
-              <a:schemeClr val="tx1"/>
-            </a:solidFill>
-          </a:ln>
-        </p:spPr>
-        <p:style>
-          <a:lnRef idx="2">
-            <a:schemeClr val="accent1">
-              <a:shade val="50000"/>
-            </a:schemeClr>
-          </a:lnRef>
-          <a:fillRef idx="1">
-            <a:schemeClr val="accent1"/>
-          </a:fillRef>
-          <a:effectRef idx="0">
-            <a:schemeClr val="accent1"/>
-          </a:effectRef>
-          <a:fontRef idx="minor">
-            <a:schemeClr val="lt1"/>
-          </a:fontRef>
-        </p:style>
-        <p:txBody>
-          <a:bodyPr rtlCol="0" anchor="ctr"/>
-          <a:lstStyle/>
-          <a:p>
-            <a:pPr algn="ctr"/>
-            <a:endParaRPr lang="zh-TW" altLang="en-US"/>
-          </a:p>
-        </p:txBody>
-      </p:sp>
-      <p:sp>
-        <p:nvSpPr>
-          <p:cNvPr id="14" name="矩形 13"/>
-          <p:cNvSpPr/>
-          <p:nvPr/>
-        </p:nvSpPr>
-        <p:spPr>
-          <a:xfrm>
-            <a:off x="5918741" y="2010626"/>
-            <a:ext cx="1030762" cy="1352515"/>
-          </a:xfrm>
-          <a:prstGeom prst="rect">
-            <a:avLst/>
-          </a:prstGeom>
-          <a:noFill/>
-          <a:ln w="38100">
-            <a:solidFill>
-              <a:schemeClr val="tx1"/>
-            </a:solidFill>
-          </a:ln>
-        </p:spPr>
-        <p:style>
-          <a:lnRef idx="2">
-            <a:schemeClr val="accent1">
-              <a:shade val="50000"/>
-            </a:schemeClr>
-          </a:lnRef>
-          <a:fillRef idx="1">
-            <a:schemeClr val="accent1"/>
-          </a:fillRef>
-          <a:effectRef idx="0">
-            <a:schemeClr val="accent1"/>
-          </a:effectRef>
-          <a:fontRef idx="minor">
-            <a:schemeClr val="lt1"/>
-          </a:fontRef>
-        </p:style>
-        <p:txBody>
-          <a:bodyPr rtlCol="0" anchor="ctr"/>
-          <a:lstStyle/>
-          <a:p>
-            <a:pPr algn="ctr"/>
-            <a:endParaRPr lang="zh-TW" altLang="en-US"/>
-          </a:p>
-        </p:txBody>
-      </p:sp>
-      <p:sp>
-        <p:nvSpPr>
-          <p:cNvPr id="15" name="矩形 14"/>
-          <p:cNvSpPr/>
-          <p:nvPr/>
-        </p:nvSpPr>
-        <p:spPr>
-          <a:xfrm>
-            <a:off x="5899688" y="3514175"/>
-            <a:ext cx="1030762" cy="1352515"/>
-          </a:xfrm>
-          <a:prstGeom prst="rect">
-            <a:avLst/>
-          </a:prstGeom>
-          <a:noFill/>
-          <a:ln w="38100">
-            <a:solidFill>
-              <a:schemeClr val="tx1"/>
-            </a:solidFill>
-          </a:ln>
-        </p:spPr>
-        <p:style>
-          <a:lnRef idx="2">
-            <a:schemeClr val="accent1">
-              <a:shade val="50000"/>
-            </a:schemeClr>
-          </a:lnRef>
-          <a:fillRef idx="1">
-            <a:schemeClr val="accent1"/>
-          </a:fillRef>
-          <a:effectRef idx="0">
-            <a:schemeClr val="accent1"/>
-          </a:effectRef>
-          <a:fontRef idx="minor">
-            <a:schemeClr val="lt1"/>
-          </a:fontRef>
-        </p:style>
-        <p:txBody>
-          <a:bodyPr rtlCol="0" anchor="ctr"/>
-          <a:lstStyle/>
-          <a:p>
-            <a:pPr algn="ctr"/>
-            <a:endParaRPr lang="zh-TW" altLang="en-US"/>
-          </a:p>
-        </p:txBody>
-      </p:sp>
-      <p:sp>
-        <p:nvSpPr>
-          <p:cNvPr id="17" name="矩形 16"/>
-          <p:cNvSpPr/>
-          <p:nvPr/>
-        </p:nvSpPr>
-        <p:spPr>
-          <a:xfrm>
-            <a:off x="921606" y="5156751"/>
-            <a:ext cx="1030762" cy="1352515"/>
-          </a:xfrm>
-          <a:prstGeom prst="rect">
-            <a:avLst/>
-          </a:prstGeom>
-          <a:noFill/>
-          <a:ln w="38100">
-            <a:solidFill>
-              <a:schemeClr val="tx1"/>
-            </a:solidFill>
-          </a:ln>
-        </p:spPr>
-        <p:style>
-          <a:lnRef idx="2">
-            <a:schemeClr val="accent1">
-              <a:shade val="50000"/>
-            </a:schemeClr>
-          </a:lnRef>
-          <a:fillRef idx="1">
-            <a:schemeClr val="accent1"/>
-          </a:fillRef>
-          <a:effectRef idx="0">
-            <a:schemeClr val="accent1"/>
-          </a:effectRef>
-          <a:fontRef idx="minor">
-            <a:schemeClr val="lt1"/>
-          </a:fontRef>
-        </p:style>
-        <p:txBody>
-          <a:bodyPr rtlCol="0" anchor="ctr"/>
-          <a:lstStyle/>
-          <a:p>
-            <a:pPr algn="ctr"/>
-            <a:endParaRPr lang="zh-TW" altLang="en-US"/>
-          </a:p>
-        </p:txBody>
-      </p:sp>
-      <p:sp>
-        <p:nvSpPr>
-          <p:cNvPr id="18" name="矩形 17"/>
-          <p:cNvSpPr/>
-          <p:nvPr/>
-        </p:nvSpPr>
-        <p:spPr>
-          <a:xfrm>
-            <a:off x="962249" y="3390277"/>
-            <a:ext cx="1030762" cy="1352515"/>
-          </a:xfrm>
-          <a:prstGeom prst="rect">
-            <a:avLst/>
-          </a:prstGeom>
-          <a:noFill/>
-          <a:ln w="38100">
-            <a:solidFill>
-              <a:schemeClr val="tx1"/>
-            </a:solidFill>
-          </a:ln>
-        </p:spPr>
-        <p:style>
-          <a:lnRef idx="2">
-            <a:schemeClr val="accent1">
-              <a:shade val="50000"/>
-            </a:schemeClr>
-          </a:lnRef>
-          <a:fillRef idx="1">
-            <a:schemeClr val="accent1"/>
-          </a:fillRef>
-          <a:effectRef idx="0">
-            <a:schemeClr val="accent1"/>
-          </a:effectRef>
-          <a:fontRef idx="minor">
-            <a:schemeClr val="lt1"/>
-          </a:fontRef>
-        </p:style>
-        <p:txBody>
-          <a:bodyPr rtlCol="0" anchor="ctr"/>
-          <a:lstStyle/>
-          <a:p>
-            <a:pPr algn="ctr"/>
-            <a:endParaRPr lang="zh-TW" altLang="en-US"/>
-          </a:p>
-        </p:txBody>
-      </p:sp>
-      <p:sp>
-        <p:nvSpPr>
-          <p:cNvPr id="19" name="矩形 18"/>
-          <p:cNvSpPr/>
-          <p:nvPr/>
-        </p:nvSpPr>
-        <p:spPr>
-          <a:xfrm>
-            <a:off x="5969265" y="5144153"/>
-            <a:ext cx="1030762" cy="1352515"/>
-          </a:xfrm>
-          <a:prstGeom prst="rect">
-            <a:avLst/>
-          </a:prstGeom>
-          <a:noFill/>
-          <a:ln w="38100">
-            <a:solidFill>
-              <a:schemeClr val="tx1"/>
-            </a:solidFill>
-          </a:ln>
-        </p:spPr>
-        <p:style>
-          <a:lnRef idx="2">
-            <a:schemeClr val="accent1">
-              <a:shade val="50000"/>
-            </a:schemeClr>
-          </a:lnRef>
-          <a:fillRef idx="1">
-            <a:schemeClr val="accent1"/>
-          </a:fillRef>
-          <a:effectRef idx="0">
-            <a:schemeClr val="accent1"/>
-          </a:effectRef>
-          <a:fontRef idx="minor">
-            <a:schemeClr val="lt1"/>
-          </a:fontRef>
-        </p:style>
-        <p:txBody>
-          <a:bodyPr rtlCol="0" anchor="ctr"/>
-          <a:lstStyle/>
-          <a:p>
-            <a:pPr algn="ctr"/>
-            <a:endParaRPr lang="zh-TW" altLang="en-US"/>
-          </a:p>
-        </p:txBody>
-      </p:sp>
-      <p:sp>
-        <p:nvSpPr>
-          <p:cNvPr id="20" name="矩形 19"/>
-          <p:cNvSpPr/>
-          <p:nvPr/>
-        </p:nvSpPr>
-        <p:spPr>
-          <a:xfrm>
-            <a:off x="873988" y="1703445"/>
-            <a:ext cx="1030762" cy="1352515"/>
-          </a:xfrm>
-          <a:prstGeom prst="rect">
-            <a:avLst/>
-          </a:prstGeom>
-          <a:noFill/>
-          <a:ln w="38100">
-            <a:solidFill>
-              <a:schemeClr val="tx1"/>
-            </a:solidFill>
-          </a:ln>
-        </p:spPr>
-        <p:style>
-          <a:lnRef idx="2">
-            <a:schemeClr val="accent1">
-              <a:shade val="50000"/>
-            </a:schemeClr>
-          </a:lnRef>
-          <a:fillRef idx="1">
-            <a:schemeClr val="accent1"/>
-          </a:fillRef>
-          <a:effectRef idx="0">
-            <a:schemeClr val="accent1"/>
-          </a:effectRef>
-          <a:fontRef idx="minor">
-            <a:schemeClr val="lt1"/>
-          </a:fontRef>
-        </p:style>
-        <p:txBody>
-          <a:bodyPr rtlCol="0" anchor="ctr"/>
-          <a:lstStyle/>
-          <a:p>
-            <a:pPr algn="ctr"/>
-            <a:endParaRPr lang="zh-TW" altLang="en-US"/>
-          </a:p>
-        </p:txBody>
-      </p:sp>
-      <p:cxnSp>
-        <p:nvCxnSpPr>
-          <p:cNvPr id="21" name="直線接點 20"/>
-          <p:cNvCxnSpPr/>
-          <p:nvPr/>
-        </p:nvCxnSpPr>
-        <p:spPr>
-          <a:xfrm>
-            <a:off x="1952368" y="108814"/>
-            <a:ext cx="1218356" cy="151490"/>
-          </a:xfrm>
-          <a:prstGeom prst="line">
-            <a:avLst/>
-          </a:prstGeom>
-          <a:ln w="38100">
-            <a:solidFill>
-              <a:schemeClr val="tx1"/>
-            </a:solidFill>
-          </a:ln>
-        </p:spPr>
-        <p:style>
-          <a:lnRef idx="1">
-            <a:schemeClr val="accent1"/>
-          </a:lnRef>
-          <a:fillRef idx="0">
-            <a:schemeClr val="accent1"/>
-          </a:fillRef>
-          <a:effectRef idx="0">
-            <a:schemeClr val="accent1"/>
-          </a:effectRef>
-          <a:fontRef idx="minor">
-            <a:schemeClr val="tx1"/>
-          </a:fontRef>
-        </p:style>
-      </p:cxnSp>
-      <p:sp>
-        <p:nvSpPr>
-          <p:cNvPr id="23" name="矩形 22"/>
-          <p:cNvSpPr/>
-          <p:nvPr/>
-        </p:nvSpPr>
-        <p:spPr>
-          <a:xfrm>
-            <a:off x="3170724" y="252999"/>
-            <a:ext cx="925932" cy="996778"/>
-          </a:xfrm>
-          <a:prstGeom prst="rect">
-            <a:avLst/>
-          </a:prstGeom>
-          <a:noFill/>
-          <a:ln w="38100">
-            <a:solidFill>
-              <a:schemeClr val="tx1"/>
-            </a:solidFill>
-          </a:ln>
-        </p:spPr>
-        <p:style>
-          <a:lnRef idx="2">
-            <a:schemeClr val="accent1">
-              <a:shade val="50000"/>
-            </a:schemeClr>
-          </a:lnRef>
-          <a:fillRef idx="1">
-            <a:schemeClr val="accent1"/>
-          </a:fillRef>
-          <a:effectRef idx="0">
-            <a:schemeClr val="accent1"/>
-          </a:effectRef>
-          <a:fontRef idx="minor">
-            <a:schemeClr val="lt1"/>
-          </a:fontRef>
-        </p:style>
-        <p:txBody>
-          <a:bodyPr rtlCol="0" anchor="ctr"/>
-          <a:lstStyle/>
-          <a:p>
-            <a:pPr algn="ctr"/>
-            <a:endParaRPr lang="zh-TW" altLang="en-US"/>
-          </a:p>
-        </p:txBody>
-      </p:sp>
-      <p:cxnSp>
-        <p:nvCxnSpPr>
-          <p:cNvPr id="22" name="直線接點 21"/>
-          <p:cNvCxnSpPr/>
-          <p:nvPr/>
-        </p:nvCxnSpPr>
-        <p:spPr>
-          <a:xfrm flipV="1">
-            <a:off x="1952368" y="1278750"/>
-            <a:ext cx="1218356" cy="171567"/>
-          </a:xfrm>
-          <a:prstGeom prst="line">
-            <a:avLst/>
-          </a:prstGeom>
-          <a:ln w="38100">
-            <a:solidFill>
-              <a:schemeClr val="tx1"/>
-            </a:solidFill>
-          </a:ln>
-        </p:spPr>
-        <p:style>
-          <a:lnRef idx="1">
-            <a:schemeClr val="accent1"/>
-          </a:lnRef>
-          <a:fillRef idx="0">
-            <a:schemeClr val="accent1"/>
-          </a:fillRef>
-          <a:effectRef idx="0">
-            <a:schemeClr val="accent1"/>
-          </a:effectRef>
-          <a:fontRef idx="minor">
-            <a:schemeClr val="tx1"/>
-          </a:fontRef>
-        </p:style>
-      </p:cxnSp>
-      <p:cxnSp>
-        <p:nvCxnSpPr>
-          <p:cNvPr id="25" name="直線接點 24"/>
-          <p:cNvCxnSpPr/>
-          <p:nvPr/>
-        </p:nvCxnSpPr>
-        <p:spPr>
-          <a:xfrm>
-            <a:off x="1915296" y="1711072"/>
-            <a:ext cx="1218356" cy="151490"/>
-          </a:xfrm>
-          <a:prstGeom prst="line">
-            <a:avLst/>
-          </a:prstGeom>
-          <a:ln w="38100">
-            <a:solidFill>
-              <a:schemeClr val="tx1"/>
-            </a:solidFill>
-          </a:ln>
-        </p:spPr>
-        <p:style>
-          <a:lnRef idx="1">
-            <a:schemeClr val="accent1"/>
-          </a:lnRef>
-          <a:fillRef idx="0">
-            <a:schemeClr val="accent1"/>
-          </a:fillRef>
-          <a:effectRef idx="0">
-            <a:schemeClr val="accent1"/>
-          </a:effectRef>
-          <a:fontRef idx="minor">
-            <a:schemeClr val="tx1"/>
-          </a:fontRef>
-        </p:style>
-      </p:cxnSp>
-      <p:sp>
-        <p:nvSpPr>
-          <p:cNvPr id="27" name="矩形 26"/>
-          <p:cNvSpPr/>
-          <p:nvPr/>
-        </p:nvSpPr>
-        <p:spPr>
-          <a:xfrm>
-            <a:off x="3133652" y="1855257"/>
-            <a:ext cx="925932" cy="996778"/>
-          </a:xfrm>
-          <a:prstGeom prst="rect">
-            <a:avLst/>
-          </a:prstGeom>
-          <a:noFill/>
-          <a:ln w="38100">
-            <a:solidFill>
-              <a:schemeClr val="tx1"/>
-            </a:solidFill>
-          </a:ln>
-        </p:spPr>
-        <p:style>
-          <a:lnRef idx="2">
-            <a:schemeClr val="accent1">
-              <a:shade val="50000"/>
-            </a:schemeClr>
-          </a:lnRef>
-          <a:fillRef idx="1">
-            <a:schemeClr val="accent1"/>
-          </a:fillRef>
-          <a:effectRef idx="0">
-            <a:schemeClr val="accent1"/>
-          </a:effectRef>
-          <a:fontRef idx="minor">
-            <a:schemeClr val="lt1"/>
-          </a:fontRef>
-        </p:style>
-        <p:txBody>
-          <a:bodyPr rtlCol="0" anchor="ctr"/>
-          <a:lstStyle/>
-          <a:p>
-            <a:pPr algn="ctr"/>
-            <a:endParaRPr lang="zh-TW" altLang="en-US"/>
-          </a:p>
-        </p:txBody>
-      </p:sp>
-      <p:cxnSp>
-        <p:nvCxnSpPr>
-          <p:cNvPr id="28" name="直線接點 27"/>
-          <p:cNvCxnSpPr/>
-          <p:nvPr/>
-        </p:nvCxnSpPr>
-        <p:spPr>
-          <a:xfrm flipV="1">
-            <a:off x="1915296" y="2881008"/>
-            <a:ext cx="1218356" cy="171567"/>
-          </a:xfrm>
-          <a:prstGeom prst="line">
-            <a:avLst/>
-          </a:prstGeom>
-          <a:ln w="38100">
-            <a:solidFill>
-              <a:schemeClr val="tx1"/>
-            </a:solidFill>
-          </a:ln>
-        </p:spPr>
-        <p:style>
-          <a:lnRef idx="1">
-            <a:schemeClr val="accent1"/>
-          </a:lnRef>
-          <a:fillRef idx="0">
-            <a:schemeClr val="accent1"/>
-          </a:fillRef>
-          <a:effectRef idx="0">
-            <a:schemeClr val="accent1"/>
-          </a:effectRef>
-          <a:fontRef idx="minor">
-            <a:schemeClr val="tx1"/>
-          </a:fontRef>
-        </p:style>
-      </p:cxnSp>
-      <p:cxnSp>
-        <p:nvCxnSpPr>
-          <p:cNvPr id="29" name="直線接點 28"/>
-          <p:cNvCxnSpPr/>
-          <p:nvPr/>
-        </p:nvCxnSpPr>
-        <p:spPr>
-          <a:xfrm>
-            <a:off x="1993011" y="3380396"/>
-            <a:ext cx="1218356" cy="151490"/>
-          </a:xfrm>
-          <a:prstGeom prst="line">
-            <a:avLst/>
-          </a:prstGeom>
-          <a:ln w="38100">
-            <a:solidFill>
-              <a:schemeClr val="tx1"/>
-            </a:solidFill>
-          </a:ln>
-        </p:spPr>
-        <p:style>
-          <a:lnRef idx="1">
-            <a:schemeClr val="accent1"/>
-          </a:lnRef>
-          <a:fillRef idx="0">
-            <a:schemeClr val="accent1"/>
-          </a:fillRef>
-          <a:effectRef idx="0">
-            <a:schemeClr val="accent1"/>
-          </a:effectRef>
-          <a:fontRef idx="minor">
-            <a:schemeClr val="tx1"/>
-          </a:fontRef>
-        </p:style>
-      </p:cxnSp>
-      <p:sp>
-        <p:nvSpPr>
-          <p:cNvPr id="31" name="矩形 30"/>
-          <p:cNvSpPr/>
-          <p:nvPr/>
-        </p:nvSpPr>
-        <p:spPr>
-          <a:xfrm>
-            <a:off x="3211367" y="3524581"/>
-            <a:ext cx="925932" cy="996778"/>
-          </a:xfrm>
-          <a:prstGeom prst="rect">
-            <a:avLst/>
-          </a:prstGeom>
-          <a:noFill/>
-          <a:ln w="38100">
-            <a:solidFill>
-              <a:schemeClr val="tx1"/>
-            </a:solidFill>
-          </a:ln>
-        </p:spPr>
-        <p:style>
-          <a:lnRef idx="2">
-            <a:schemeClr val="accent1">
-              <a:shade val="50000"/>
-            </a:schemeClr>
-          </a:lnRef>
-          <a:fillRef idx="1">
-            <a:schemeClr val="accent1"/>
-          </a:fillRef>
-          <a:effectRef idx="0">
-            <a:schemeClr val="accent1"/>
-          </a:effectRef>
-          <a:fontRef idx="minor">
-            <a:schemeClr val="lt1"/>
-          </a:fontRef>
-        </p:style>
-        <p:txBody>
-          <a:bodyPr rtlCol="0" anchor="ctr"/>
-          <a:lstStyle/>
-          <a:p>
-            <a:pPr algn="ctr"/>
-            <a:endParaRPr lang="zh-TW" altLang="en-US"/>
-          </a:p>
-        </p:txBody>
-      </p:sp>
-      <p:cxnSp>
-        <p:nvCxnSpPr>
-          <p:cNvPr id="32" name="直線接點 31"/>
-          <p:cNvCxnSpPr/>
-          <p:nvPr/>
-        </p:nvCxnSpPr>
-        <p:spPr>
-          <a:xfrm flipV="1">
-            <a:off x="1993011" y="4550332"/>
-            <a:ext cx="1218356" cy="171567"/>
-          </a:xfrm>
-          <a:prstGeom prst="line">
-            <a:avLst/>
-          </a:prstGeom>
-          <a:ln w="38100">
-            <a:solidFill>
-              <a:schemeClr val="tx1"/>
-            </a:solidFill>
-          </a:ln>
-        </p:spPr>
-        <p:style>
-          <a:lnRef idx="1">
-            <a:schemeClr val="accent1"/>
-          </a:lnRef>
-          <a:fillRef idx="0">
-            <a:schemeClr val="accent1"/>
-          </a:fillRef>
-          <a:effectRef idx="0">
-            <a:schemeClr val="accent1"/>
-          </a:effectRef>
-          <a:fontRef idx="minor">
-            <a:schemeClr val="tx1"/>
-          </a:fontRef>
-        </p:style>
-      </p:cxnSp>
-      <p:cxnSp>
-        <p:nvCxnSpPr>
-          <p:cNvPr id="33" name="直線接點 32"/>
-          <p:cNvCxnSpPr/>
-          <p:nvPr/>
-        </p:nvCxnSpPr>
-        <p:spPr>
-          <a:xfrm>
-            <a:off x="1935364" y="5171199"/>
-            <a:ext cx="1218356" cy="151490"/>
-          </a:xfrm>
-          <a:prstGeom prst="line">
-            <a:avLst/>
-          </a:prstGeom>
-          <a:ln w="38100">
-            <a:solidFill>
-              <a:schemeClr val="tx1"/>
-            </a:solidFill>
-          </a:ln>
-        </p:spPr>
-        <p:style>
-          <a:lnRef idx="1">
-            <a:schemeClr val="accent1"/>
-          </a:lnRef>
-          <a:fillRef idx="0">
-            <a:schemeClr val="accent1"/>
-          </a:fillRef>
-          <a:effectRef idx="0">
-            <a:schemeClr val="accent1"/>
-          </a:effectRef>
-          <a:fontRef idx="minor">
-            <a:schemeClr val="tx1"/>
-          </a:fontRef>
-        </p:style>
-      </p:cxnSp>
-      <p:sp>
-        <p:nvSpPr>
-          <p:cNvPr id="35" name="矩形 34"/>
-          <p:cNvSpPr/>
-          <p:nvPr/>
-        </p:nvSpPr>
-        <p:spPr>
-          <a:xfrm>
-            <a:off x="3153720" y="5315384"/>
-            <a:ext cx="925932" cy="996778"/>
-          </a:xfrm>
-          <a:prstGeom prst="rect">
-            <a:avLst/>
-          </a:prstGeom>
-          <a:noFill/>
-          <a:ln w="38100">
-            <a:solidFill>
-              <a:schemeClr val="tx1"/>
-            </a:solidFill>
-          </a:ln>
-        </p:spPr>
-        <p:style>
-          <a:lnRef idx="2">
-            <a:schemeClr val="accent1">
-              <a:shade val="50000"/>
-            </a:schemeClr>
-          </a:lnRef>
-          <a:fillRef idx="1">
-            <a:schemeClr val="accent1"/>
-          </a:fillRef>
-          <a:effectRef idx="0">
-            <a:schemeClr val="accent1"/>
-          </a:effectRef>
-          <a:fontRef idx="minor">
-            <a:schemeClr val="lt1"/>
-          </a:fontRef>
-        </p:style>
-        <p:txBody>
-          <a:bodyPr rtlCol="0" anchor="ctr"/>
-          <a:lstStyle/>
-          <a:p>
-            <a:pPr algn="ctr"/>
-            <a:endParaRPr lang="zh-TW" altLang="en-US"/>
-          </a:p>
-        </p:txBody>
-      </p:sp>
-      <p:cxnSp>
-        <p:nvCxnSpPr>
-          <p:cNvPr id="36" name="直線接點 35"/>
-          <p:cNvCxnSpPr/>
-          <p:nvPr/>
-        </p:nvCxnSpPr>
-        <p:spPr>
-          <a:xfrm flipV="1">
-            <a:off x="1935364" y="6341135"/>
-            <a:ext cx="1218356" cy="171567"/>
-          </a:xfrm>
-          <a:prstGeom prst="line">
-            <a:avLst/>
-          </a:prstGeom>
-          <a:ln w="38100">
-            <a:solidFill>
-              <a:schemeClr val="tx1"/>
-            </a:solidFill>
-          </a:ln>
-        </p:spPr>
-        <p:style>
-          <a:lnRef idx="1">
-            <a:schemeClr val="accent1"/>
-          </a:lnRef>
-          <a:fillRef idx="0">
-            <a:schemeClr val="accent1"/>
-          </a:fillRef>
-          <a:effectRef idx="0">
-            <a:schemeClr val="accent1"/>
-          </a:effectRef>
-          <a:fontRef idx="minor">
-            <a:schemeClr val="tx1"/>
-          </a:fontRef>
-        </p:style>
-      </p:cxnSp>
-      <p:cxnSp>
-        <p:nvCxnSpPr>
-          <p:cNvPr id="37" name="直線接點 36"/>
-          <p:cNvCxnSpPr/>
-          <p:nvPr/>
-        </p:nvCxnSpPr>
-        <p:spPr>
-          <a:xfrm>
-            <a:off x="6875708" y="260304"/>
-            <a:ext cx="1218356" cy="151490"/>
-          </a:xfrm>
-          <a:prstGeom prst="line">
-            <a:avLst/>
-          </a:prstGeom>
-          <a:ln w="38100">
-            <a:solidFill>
-              <a:schemeClr val="tx1"/>
-            </a:solidFill>
-          </a:ln>
-        </p:spPr>
-        <p:style>
-          <a:lnRef idx="1">
-            <a:schemeClr val="accent1"/>
-          </a:lnRef>
-          <a:fillRef idx="0">
-            <a:schemeClr val="accent1"/>
-          </a:fillRef>
-          <a:effectRef idx="0">
-            <a:schemeClr val="accent1"/>
-          </a:effectRef>
-          <a:fontRef idx="minor">
-            <a:schemeClr val="tx1"/>
-          </a:fontRef>
-        </p:style>
-      </p:cxnSp>
-      <p:sp>
-        <p:nvSpPr>
-          <p:cNvPr id="39" name="矩形 38"/>
-          <p:cNvSpPr/>
-          <p:nvPr/>
-        </p:nvSpPr>
-        <p:spPr>
-          <a:xfrm>
-            <a:off x="8094064" y="404489"/>
-            <a:ext cx="925932" cy="996778"/>
-          </a:xfrm>
-          <a:prstGeom prst="rect">
-            <a:avLst/>
-          </a:prstGeom>
-          <a:noFill/>
-          <a:ln w="38100">
-            <a:solidFill>
-              <a:schemeClr val="tx1"/>
-            </a:solidFill>
-          </a:ln>
-        </p:spPr>
-        <p:style>
-          <a:lnRef idx="2">
-            <a:schemeClr val="accent1">
-              <a:shade val="50000"/>
-            </a:schemeClr>
-          </a:lnRef>
-          <a:fillRef idx="1">
-            <a:schemeClr val="accent1"/>
-          </a:fillRef>
-          <a:effectRef idx="0">
-            <a:schemeClr val="accent1"/>
-          </a:effectRef>
-          <a:fontRef idx="minor">
-            <a:schemeClr val="lt1"/>
-          </a:fontRef>
-        </p:style>
-        <p:txBody>
-          <a:bodyPr rtlCol="0" anchor="ctr"/>
-          <a:lstStyle/>
-          <a:p>
-            <a:pPr algn="ctr"/>
-            <a:endParaRPr lang="zh-TW" altLang="en-US"/>
-          </a:p>
-        </p:txBody>
-      </p:sp>
-      <p:cxnSp>
-        <p:nvCxnSpPr>
-          <p:cNvPr id="40" name="直線接點 39"/>
-          <p:cNvCxnSpPr/>
-          <p:nvPr/>
-        </p:nvCxnSpPr>
-        <p:spPr>
-          <a:xfrm flipV="1">
-            <a:off x="6875708" y="1430240"/>
-            <a:ext cx="1218356" cy="171567"/>
-          </a:xfrm>
-          <a:prstGeom prst="line">
-            <a:avLst/>
-          </a:prstGeom>
-          <a:ln w="38100">
-            <a:solidFill>
-              <a:schemeClr val="tx1"/>
-            </a:solidFill>
-          </a:ln>
-        </p:spPr>
-        <p:style>
-          <a:lnRef idx="1">
-            <a:schemeClr val="accent1"/>
-          </a:lnRef>
-          <a:fillRef idx="0">
-            <a:schemeClr val="accent1"/>
-          </a:fillRef>
-          <a:effectRef idx="0">
-            <a:schemeClr val="accent1"/>
-          </a:effectRef>
-          <a:fontRef idx="minor">
-            <a:schemeClr val="tx1"/>
-          </a:fontRef>
-        </p:style>
-      </p:cxnSp>
-      <p:cxnSp>
-        <p:nvCxnSpPr>
-          <p:cNvPr id="45" name="直線接點 44"/>
-          <p:cNvCxnSpPr/>
-          <p:nvPr/>
-        </p:nvCxnSpPr>
-        <p:spPr>
-          <a:xfrm>
-            <a:off x="6949503" y="2017409"/>
-            <a:ext cx="1218356" cy="151490"/>
-          </a:xfrm>
-          <a:prstGeom prst="line">
-            <a:avLst/>
-          </a:prstGeom>
-          <a:ln w="38100">
-            <a:solidFill>
-              <a:schemeClr val="tx1"/>
-            </a:solidFill>
-          </a:ln>
-        </p:spPr>
-        <p:style>
-          <a:lnRef idx="1">
-            <a:schemeClr val="accent1"/>
-          </a:lnRef>
-          <a:fillRef idx="0">
-            <a:schemeClr val="accent1"/>
-          </a:fillRef>
-          <a:effectRef idx="0">
-            <a:schemeClr val="accent1"/>
-          </a:effectRef>
-          <a:fontRef idx="minor">
-            <a:schemeClr val="tx1"/>
-          </a:fontRef>
-        </p:style>
-      </p:cxnSp>
-      <p:sp>
-        <p:nvSpPr>
-          <p:cNvPr id="47" name="矩形 46"/>
-          <p:cNvSpPr/>
-          <p:nvPr/>
-        </p:nvSpPr>
-        <p:spPr>
-          <a:xfrm>
-            <a:off x="8167859" y="2161594"/>
-            <a:ext cx="925932" cy="996778"/>
-          </a:xfrm>
-          <a:prstGeom prst="rect">
-            <a:avLst/>
-          </a:prstGeom>
-          <a:noFill/>
-          <a:ln w="38100">
-            <a:solidFill>
-              <a:schemeClr val="tx1"/>
-            </a:solidFill>
-          </a:ln>
-        </p:spPr>
-        <p:style>
-          <a:lnRef idx="2">
-            <a:schemeClr val="accent1">
-              <a:shade val="50000"/>
-            </a:schemeClr>
-          </a:lnRef>
-          <a:fillRef idx="1">
-            <a:schemeClr val="accent1"/>
-          </a:fillRef>
-          <a:effectRef idx="0">
-            <a:schemeClr val="accent1"/>
-          </a:effectRef>
-          <a:fontRef idx="minor">
-            <a:schemeClr val="lt1"/>
-          </a:fontRef>
-        </p:style>
-        <p:txBody>
-          <a:bodyPr rtlCol="0" anchor="ctr"/>
-          <a:lstStyle/>
-          <a:p>
-            <a:pPr algn="ctr"/>
-            <a:endParaRPr lang="zh-TW" altLang="en-US"/>
-          </a:p>
-        </p:txBody>
-      </p:sp>
-      <p:cxnSp>
-        <p:nvCxnSpPr>
-          <p:cNvPr id="48" name="直線接點 47"/>
-          <p:cNvCxnSpPr/>
-          <p:nvPr/>
-        </p:nvCxnSpPr>
-        <p:spPr>
-          <a:xfrm flipV="1">
-            <a:off x="6949503" y="3187345"/>
-            <a:ext cx="1218356" cy="171567"/>
-          </a:xfrm>
-          <a:prstGeom prst="line">
-            <a:avLst/>
-          </a:prstGeom>
-          <a:ln w="38100">
-            <a:solidFill>
-              <a:schemeClr val="tx1"/>
-            </a:solidFill>
-          </a:ln>
-        </p:spPr>
-        <p:style>
-          <a:lnRef idx="1">
-            <a:schemeClr val="accent1"/>
-          </a:lnRef>
-          <a:fillRef idx="0">
-            <a:schemeClr val="accent1"/>
-          </a:fillRef>
-          <a:effectRef idx="0">
-            <a:schemeClr val="accent1"/>
-          </a:effectRef>
-          <a:fontRef idx="minor">
-            <a:schemeClr val="tx1"/>
-          </a:fontRef>
-        </p:style>
-      </p:cxnSp>
-      <p:cxnSp>
-        <p:nvCxnSpPr>
-          <p:cNvPr id="49" name="直線接點 48"/>
-          <p:cNvCxnSpPr/>
-          <p:nvPr/>
-        </p:nvCxnSpPr>
-        <p:spPr>
-          <a:xfrm>
-            <a:off x="6930450" y="3523550"/>
-            <a:ext cx="1218356" cy="151490"/>
-          </a:xfrm>
-          <a:prstGeom prst="line">
-            <a:avLst/>
-          </a:prstGeom>
-          <a:ln w="38100">
-            <a:solidFill>
-              <a:schemeClr val="tx1"/>
-            </a:solidFill>
-          </a:ln>
-        </p:spPr>
-        <p:style>
-          <a:lnRef idx="1">
-            <a:schemeClr val="accent1"/>
-          </a:lnRef>
-          <a:fillRef idx="0">
-            <a:schemeClr val="accent1"/>
-          </a:fillRef>
-          <a:effectRef idx="0">
-            <a:schemeClr val="accent1"/>
-          </a:effectRef>
-          <a:fontRef idx="minor">
-            <a:schemeClr val="tx1"/>
-          </a:fontRef>
-        </p:style>
-      </p:cxnSp>
-      <p:sp>
-        <p:nvSpPr>
-          <p:cNvPr id="51" name="矩形 50"/>
-          <p:cNvSpPr/>
-          <p:nvPr/>
-        </p:nvSpPr>
-        <p:spPr>
-          <a:xfrm>
-            <a:off x="8148806" y="3667735"/>
-            <a:ext cx="925932" cy="996778"/>
-          </a:xfrm>
-          <a:prstGeom prst="rect">
-            <a:avLst/>
-          </a:prstGeom>
-          <a:noFill/>
-          <a:ln w="38100">
-            <a:solidFill>
-              <a:schemeClr val="tx1"/>
-            </a:solidFill>
-          </a:ln>
-        </p:spPr>
-        <p:style>
-          <a:lnRef idx="2">
-            <a:schemeClr val="accent1">
-              <a:shade val="50000"/>
-            </a:schemeClr>
-          </a:lnRef>
-          <a:fillRef idx="1">
-            <a:schemeClr val="accent1"/>
-          </a:fillRef>
-          <a:effectRef idx="0">
-            <a:schemeClr val="accent1"/>
-          </a:effectRef>
-          <a:fontRef idx="minor">
-            <a:schemeClr val="lt1"/>
-          </a:fontRef>
-        </p:style>
-        <p:txBody>
-          <a:bodyPr rtlCol="0" anchor="ctr"/>
-          <a:lstStyle/>
-          <a:p>
-            <a:pPr algn="ctr"/>
-            <a:endParaRPr lang="zh-TW" altLang="en-US"/>
-          </a:p>
-        </p:txBody>
-      </p:sp>
-      <p:cxnSp>
-        <p:nvCxnSpPr>
-          <p:cNvPr id="52" name="直線接點 51"/>
-          <p:cNvCxnSpPr/>
-          <p:nvPr/>
-        </p:nvCxnSpPr>
-        <p:spPr>
-          <a:xfrm flipV="1">
-            <a:off x="6930450" y="4693486"/>
-            <a:ext cx="1218356" cy="171567"/>
-          </a:xfrm>
-          <a:prstGeom prst="line">
-            <a:avLst/>
-          </a:prstGeom>
-          <a:ln w="38100">
-            <a:solidFill>
-              <a:schemeClr val="tx1"/>
-            </a:solidFill>
-          </a:ln>
-        </p:spPr>
-        <p:style>
-          <a:lnRef idx="1">
-            <a:schemeClr val="accent1"/>
-          </a:lnRef>
-          <a:fillRef idx="0">
-            <a:schemeClr val="accent1"/>
-          </a:fillRef>
-          <a:effectRef idx="0">
-            <a:schemeClr val="accent1"/>
-          </a:effectRef>
-          <a:fontRef idx="minor">
-            <a:schemeClr val="tx1"/>
-          </a:fontRef>
-        </p:style>
-      </p:cxnSp>
-      <p:cxnSp>
-        <p:nvCxnSpPr>
-          <p:cNvPr id="53" name="直線接點 52"/>
-          <p:cNvCxnSpPr/>
-          <p:nvPr/>
-        </p:nvCxnSpPr>
-        <p:spPr>
-          <a:xfrm>
-            <a:off x="6964589" y="5134180"/>
-            <a:ext cx="1218356" cy="151490"/>
-          </a:xfrm>
-          <a:prstGeom prst="line">
-            <a:avLst/>
-          </a:prstGeom>
-          <a:ln w="38100">
-            <a:solidFill>
-              <a:schemeClr val="tx1"/>
-            </a:solidFill>
-          </a:ln>
-        </p:spPr>
-        <p:style>
-          <a:lnRef idx="1">
-            <a:schemeClr val="accent1"/>
-          </a:lnRef>
-          <a:fillRef idx="0">
-            <a:schemeClr val="accent1"/>
-          </a:fillRef>
-          <a:effectRef idx="0">
-            <a:schemeClr val="accent1"/>
-          </a:effectRef>
-          <a:fontRef idx="minor">
-            <a:schemeClr val="tx1"/>
-          </a:fontRef>
-        </p:style>
-      </p:cxnSp>
-      <p:sp>
-        <p:nvSpPr>
-          <p:cNvPr id="55" name="矩形 54"/>
-          <p:cNvSpPr/>
-          <p:nvPr/>
-        </p:nvSpPr>
-        <p:spPr>
-          <a:xfrm>
-            <a:off x="8182945" y="5278365"/>
-            <a:ext cx="925932" cy="996778"/>
-          </a:xfrm>
-          <a:prstGeom prst="rect">
-            <a:avLst/>
-          </a:prstGeom>
-          <a:noFill/>
-          <a:ln w="38100">
-            <a:solidFill>
-              <a:schemeClr val="tx1"/>
-            </a:solidFill>
-          </a:ln>
-        </p:spPr>
-        <p:style>
-          <a:lnRef idx="2">
-            <a:schemeClr val="accent1">
-              <a:shade val="50000"/>
-            </a:schemeClr>
-          </a:lnRef>
-          <a:fillRef idx="1">
-            <a:schemeClr val="accent1"/>
-          </a:fillRef>
-          <a:effectRef idx="0">
-            <a:schemeClr val="accent1"/>
-          </a:effectRef>
-          <a:fontRef idx="minor">
-            <a:schemeClr val="lt1"/>
-          </a:fontRef>
-        </p:style>
-        <p:txBody>
-          <a:bodyPr rtlCol="0" anchor="ctr"/>
-          <a:lstStyle/>
-          <a:p>
-            <a:pPr algn="ctr"/>
-            <a:endParaRPr lang="zh-TW" altLang="en-US"/>
-          </a:p>
-        </p:txBody>
-      </p:sp>
-      <p:cxnSp>
-        <p:nvCxnSpPr>
-          <p:cNvPr id="56" name="直線接點 55"/>
-          <p:cNvCxnSpPr/>
-          <p:nvPr/>
-        </p:nvCxnSpPr>
-        <p:spPr>
-          <a:xfrm flipV="1">
-            <a:off x="6964589" y="6304116"/>
-            <a:ext cx="1218356" cy="171567"/>
-          </a:xfrm>
-          <a:prstGeom prst="line">
-            <a:avLst/>
-          </a:prstGeom>
-          <a:ln w="38100">
-            <a:solidFill>
-              <a:schemeClr val="tx1"/>
-            </a:solidFill>
-          </a:ln>
-        </p:spPr>
-        <p:style>
-          <a:lnRef idx="1">
-            <a:schemeClr val="accent1"/>
-          </a:lnRef>
-          <a:fillRef idx="0">
-            <a:schemeClr val="accent1"/>
-          </a:fillRef>
-          <a:effectRef idx="0">
-            <a:schemeClr val="accent1"/>
-          </a:effectRef>
-          <a:fontRef idx="minor">
-            <a:schemeClr val="tx1"/>
-          </a:fontRef>
-        </p:style>
-      </p:cxnSp>
-      <p:pic>
-        <p:nvPicPr>
-          <p:cNvPr id="41" name="圖片 40"/>
-          <p:cNvPicPr>
-            <a:picLocks noChangeAspect="1"/>
-          </p:cNvPicPr>
-          <p:nvPr/>
-        </p:nvPicPr>
-        <p:blipFill>
-          <a:blip r:embed="rId10"/>
-          <a:stretch>
-            <a:fillRect/>
-          </a:stretch>
-        </p:blipFill>
-        <p:spPr>
-          <a:xfrm>
-            <a:off x="6023594" y="5246944"/>
-            <a:ext cx="906855" cy="1159586"/>
+            <a:off x="6923516" y="3361784"/>
+            <a:ext cx="904762" cy="1200000"/>
           </a:xfrm>
           <a:prstGeom prst="rect">
             <a:avLst/>
@@ -5446,7 +4396,7 @@
       </p:grpSpPr>
       <p:pic>
         <p:nvPicPr>
-          <p:cNvPr id="5" name="圖片 4"/>
+          <p:cNvPr id="4" name="圖片 3"/>
           <p:cNvPicPr>
             <a:picLocks noChangeAspect="1"/>
           </p:cNvPicPr>
@@ -5460,8 +4410,8 @@
         </p:blipFill>
         <p:spPr>
           <a:xfrm>
-            <a:off x="1207550" y="3489636"/>
-            <a:ext cx="5168536" cy="3208595"/>
+            <a:off x="5662128" y="254212"/>
+            <a:ext cx="3794910" cy="2976690"/>
           </a:xfrm>
           <a:prstGeom prst="rect">
             <a:avLst/>
@@ -5470,7 +4420,7 @@
       </p:pic>
       <p:pic>
         <p:nvPicPr>
-          <p:cNvPr id="4" name="圖片 3"/>
+          <p:cNvPr id="3" name="圖片 2"/>
           <p:cNvPicPr>
             <a:picLocks noChangeAspect="1"/>
           </p:cNvPicPr>
@@ -5484,32 +4434,8 @@
         </p:blipFill>
         <p:spPr>
           <a:xfrm>
-            <a:off x="5615140" y="224363"/>
-            <a:ext cx="3980638" cy="3153152"/>
-          </a:xfrm>
-          <a:prstGeom prst="rect">
-            <a:avLst/>
-          </a:prstGeom>
-        </p:spPr>
-      </p:pic>
-      <p:pic>
-        <p:nvPicPr>
-          <p:cNvPr id="3" name="圖片 2"/>
-          <p:cNvPicPr>
-            <a:picLocks noChangeAspect="1"/>
-          </p:cNvPicPr>
-          <p:nvPr/>
-        </p:nvPicPr>
-        <p:blipFill>
-          <a:blip r:embed="rId4"/>
-          <a:stretch>
-            <a:fillRect/>
-          </a:stretch>
-        </p:blipFill>
-        <p:spPr>
-          <a:xfrm>
-            <a:off x="458642" y="263235"/>
-            <a:ext cx="4061243" cy="2958643"/>
+            <a:off x="428365" y="237569"/>
+            <a:ext cx="3936914" cy="2966950"/>
           </a:xfrm>
           <a:prstGeom prst="rect">
             <a:avLst/>
@@ -5764,52 +4690,6 @@
           <a:chExt cx="0" cy="0"/>
         </a:xfrm>
       </p:grpSpPr>
-      <p:sp>
-        <p:nvSpPr>
-          <p:cNvPr id="7" name="文字方塊 6"/>
-          <p:cNvSpPr txBox="1"/>
-          <p:nvPr/>
-        </p:nvSpPr>
-        <p:spPr>
-          <a:xfrm>
-            <a:off x="864603" y="4616904"/>
-            <a:ext cx="5618205" cy="923330"/>
-          </a:xfrm>
-          <a:prstGeom prst="rect">
-            <a:avLst/>
-          </a:prstGeom>
-          <a:noFill/>
-        </p:spPr>
-        <p:txBody>
-          <a:bodyPr wrap="square" rtlCol="0">
-            <a:spAutoFit/>
-          </a:bodyPr>
-          <a:lstStyle/>
-          <a:p>
-            <a:r>
-              <a:rPr lang="zh-TW" altLang="en-US" dirty="0" smtClean="0"/>
-              <a:t>心得：這次的程式我認為主要是邏輯的判斷，如何將一個程式設置成輸入</a:t>
-            </a:r>
-            <a:r>
-              <a:rPr lang="en-US" altLang="zh-TW" dirty="0" smtClean="0"/>
-              <a:t>-1</a:t>
-            </a:r>
-            <a:r>
-              <a:rPr lang="zh-TW" altLang="en-US" dirty="0" smtClean="0"/>
-              <a:t>跳出迴圈，我認為這是最難的部分，我是採取無限迴圈和</a:t>
-            </a:r>
-            <a:r>
-              <a:rPr lang="en-US" altLang="zh-TW" dirty="0" smtClean="0"/>
-              <a:t>IF</a:t>
-            </a:r>
-            <a:r>
-              <a:rPr lang="zh-TW" altLang="en-US" dirty="0" smtClean="0"/>
-              <a:t>判斷去完成。</a:t>
-            </a:r>
-            <a:endParaRPr lang="en-US" altLang="zh-TW" dirty="0" smtClean="0"/>
-          </a:p>
-        </p:txBody>
-      </p:sp>
       <p:pic>
         <p:nvPicPr>
           <p:cNvPr id="2" name="圖片 1"/>
@@ -5826,7 +4706,7 @@
         </p:blipFill>
         <p:spPr>
           <a:xfrm>
-            <a:off x="6718708" y="765649"/>
+            <a:off x="119984" y="575144"/>
             <a:ext cx="5667375" cy="3581400"/>
           </a:xfrm>
           <a:prstGeom prst="rect">
@@ -5834,9 +4714,51 @@
           </a:prstGeom>
         </p:spPr>
       </p:pic>
+      <p:sp>
+        <p:nvSpPr>
+          <p:cNvPr id="7" name="文字方塊 6"/>
+          <p:cNvSpPr txBox="1"/>
+          <p:nvPr/>
+        </p:nvSpPr>
+        <p:spPr>
+          <a:xfrm>
+            <a:off x="723186" y="4882785"/>
+            <a:ext cx="5618205" cy="1477328"/>
+          </a:xfrm>
+          <a:prstGeom prst="rect">
+            <a:avLst/>
+          </a:prstGeom>
+          <a:noFill/>
+        </p:spPr>
+        <p:txBody>
+          <a:bodyPr wrap="square" rtlCol="0">
+            <a:spAutoFit/>
+          </a:bodyPr>
+          <a:lstStyle/>
+          <a:p>
+            <a:r>
+              <a:rPr lang="zh-TW" altLang="en-US" dirty="0" smtClean="0"/>
+              <a:t>心得：這次比較難的還是副程式的設置，之前我一直不懂副程式是如何去執行，現在知道是先執行完副程式後在回到副程式得下一行繼續執行，而且原本也不熟悉</a:t>
+            </a:r>
+            <a:r>
+              <a:rPr lang="en-US" altLang="zh-TW" dirty="0"/>
+              <a:t>C</a:t>
+            </a:r>
+            <a:r>
+              <a:rPr lang="en-US" altLang="zh-TW" dirty="0" smtClean="0"/>
+              <a:t>++</a:t>
+            </a:r>
+            <a:r>
+              <a:rPr lang="zh-TW" altLang="en-US" dirty="0" smtClean="0"/>
+              <a:t>的語法，透過這次老師與助教的講解與練習，讓我比較懂一些些了。</a:t>
+            </a:r>
+            <a:endParaRPr lang="en-US" altLang="zh-TW" dirty="0" smtClean="0"/>
+          </a:p>
+        </p:txBody>
+      </p:sp>
       <p:pic>
         <p:nvPicPr>
-          <p:cNvPr id="4" name="圖片 3"/>
+          <p:cNvPr id="5" name="圖片 4"/>
           <p:cNvPicPr>
             <a:picLocks noChangeAspect="1"/>
           </p:cNvPicPr>
@@ -5850,8 +4772,8 @@
         </p:blipFill>
         <p:spPr>
           <a:xfrm>
-            <a:off x="281633" y="342527"/>
-            <a:ext cx="5638095" cy="3542857"/>
+            <a:off x="6341391" y="200245"/>
+            <a:ext cx="5657143" cy="3619048"/>
           </a:xfrm>
           <a:prstGeom prst="rect">
             <a:avLst/>
@@ -5866,7 +4788,71 @@
         </p:nvSpPr>
         <p:spPr>
           <a:xfrm rot="1861658">
-            <a:off x="5754926" y="2360031"/>
+            <a:off x="5313945" y="2558151"/>
+            <a:ext cx="1128584" cy="626076"/>
+          </a:xfrm>
+          <a:prstGeom prst="rightArrow">
+            <a:avLst/>
+          </a:prstGeom>
+        </p:spPr>
+        <p:style>
+          <a:lnRef idx="2">
+            <a:schemeClr val="accent1">
+              <a:shade val="50000"/>
+            </a:schemeClr>
+          </a:lnRef>
+          <a:fillRef idx="1">
+            <a:schemeClr val="accent1"/>
+          </a:fillRef>
+          <a:effectRef idx="0">
+            <a:schemeClr val="accent1"/>
+          </a:effectRef>
+          <a:fontRef idx="minor">
+            <a:schemeClr val="lt1"/>
+          </a:fontRef>
+        </p:style>
+        <p:txBody>
+          <a:bodyPr rtlCol="0" anchor="ctr"/>
+          <a:lstStyle/>
+          <a:p>
+            <a:pPr algn="ctr"/>
+            <a:endParaRPr lang="zh-TW" altLang="en-US"/>
+          </a:p>
+        </p:txBody>
+      </p:sp>
+      <p:pic>
+        <p:nvPicPr>
+          <p:cNvPr id="8" name="圖片 7"/>
+          <p:cNvPicPr>
+            <a:picLocks noChangeAspect="1"/>
+          </p:cNvPicPr>
+          <p:nvPr/>
+        </p:nvPicPr>
+        <p:blipFill>
+          <a:blip r:embed="rId4"/>
+          <a:stretch>
+            <a:fillRect/>
+          </a:stretch>
+        </p:blipFill>
+        <p:spPr>
+          <a:xfrm>
+            <a:off x="7167544" y="3830900"/>
+            <a:ext cx="4793577" cy="3027100"/>
+          </a:xfrm>
+          <a:prstGeom prst="rect">
+            <a:avLst/>
+          </a:prstGeom>
+        </p:spPr>
+      </p:pic>
+      <p:sp>
+        <p:nvSpPr>
+          <p:cNvPr id="9" name="向右箭號 8"/>
+          <p:cNvSpPr/>
+          <p:nvPr/>
+        </p:nvSpPr>
+        <p:spPr>
+          <a:xfrm rot="3690716">
+            <a:off x="6321387" y="3971471"/>
             <a:ext cx="1128584" cy="626076"/>
           </a:xfrm>
           <a:prstGeom prst="rightArrow">
